--- a/Logging with Serilog+Elastichsearch+Kibana.pptx
+++ b/Logging with Serilog+Elastichsearch+Kibana.pptx
@@ -2015,48 +2015,6 @@
         </a:p>
       </dgm:t>
     </dgm:pt>
-    <dgm:pt modelId="{0CC95F3F-AE6B-4952-8DB8-FEA775B354D6}">
-      <dgm:prSet/>
-      <dgm:spPr/>
-      <dgm:t>
-        <a:bodyPr/>
-        <a:lstStyle/>
-        <a:p>
-          <a:pPr>
-            <a:lnSpc>
-              <a:spcPct val="100000"/>
-            </a:lnSpc>
-            <a:defRPr cap="all"/>
-          </a:pPr>
-          <a:r>
-            <a:rPr lang="en-US" dirty="0"/>
-            <a:t>Download the Example Project</a:t>
-          </a:r>
-        </a:p>
-      </dgm:t>
-    </dgm:pt>
-    <dgm:pt modelId="{31D07DC9-2BD0-486A-8A0B-888B74D90063}" type="parTrans" cxnId="{8F7FB603-CC98-48B9-9561-6D8211D1FC4A}">
-      <dgm:prSet/>
-      <dgm:spPr/>
-      <dgm:t>
-        <a:bodyPr/>
-        <a:lstStyle/>
-        <a:p>
-          <a:endParaRPr lang="en-US"/>
-        </a:p>
-      </dgm:t>
-    </dgm:pt>
-    <dgm:pt modelId="{51FCAD94-1E51-4A4A-9287-0C1E335D1F0D}" type="sibTrans" cxnId="{8F7FB603-CC98-48B9-9561-6D8211D1FC4A}">
-      <dgm:prSet/>
-      <dgm:spPr/>
-      <dgm:t>
-        <a:bodyPr/>
-        <a:lstStyle/>
-        <a:p>
-          <a:endParaRPr lang="en-US"/>
-        </a:p>
-      </dgm:t>
-    </dgm:pt>
     <dgm:pt modelId="{F02E7F67-7273-4A9D-8241-22440152CFC1}">
       <dgm:prSet/>
       <dgm:spPr/>
@@ -2142,6 +2100,95 @@
         </a:p>
       </dgm:t>
     </dgm:pt>
+    <dgm:pt modelId="{0CC95F3F-AE6B-4952-8DB8-FEA775B354D6}">
+      <dgm:prSet/>
+      <dgm:spPr/>
+      <dgm:t>
+        <a:bodyPr/>
+        <a:lstStyle/>
+        <a:p>
+          <a:pPr>
+            <a:lnSpc>
+              <a:spcPct val="100000"/>
+            </a:lnSpc>
+            <a:defRPr cap="all"/>
+          </a:pPr>
+          <a:r>
+            <a:rPr lang="en-US" dirty="0"/>
+            <a:t>Download the Example Project</a:t>
+          </a:r>
+        </a:p>
+      </dgm:t>
+    </dgm:pt>
+    <dgm:pt modelId="{51FCAD94-1E51-4A4A-9287-0C1E335D1F0D}" type="sibTrans" cxnId="{8F7FB603-CC98-48B9-9561-6D8211D1FC4A}">
+      <dgm:prSet/>
+      <dgm:spPr/>
+      <dgm:t>
+        <a:bodyPr/>
+        <a:lstStyle/>
+        <a:p>
+          <a:endParaRPr lang="en-US"/>
+        </a:p>
+      </dgm:t>
+    </dgm:pt>
+    <dgm:pt modelId="{31D07DC9-2BD0-486A-8A0B-888B74D90063}" type="parTrans" cxnId="{8F7FB603-CC98-48B9-9561-6D8211D1FC4A}">
+      <dgm:prSet/>
+      <dgm:spPr/>
+      <dgm:t>
+        <a:bodyPr/>
+        <a:lstStyle/>
+        <a:p>
+          <a:endParaRPr lang="en-US"/>
+        </a:p>
+      </dgm:t>
+    </dgm:pt>
+    <dgm:pt modelId="{4B75A8EC-41EB-47FC-B09D-548A1E8230D9}">
+      <dgm:prSet/>
+      <dgm:spPr/>
+      <dgm:t>
+        <a:bodyPr/>
+        <a:lstStyle/>
+        <a:p>
+          <a:pPr>
+            <a:lnSpc>
+              <a:spcPct val="100000"/>
+            </a:lnSpc>
+            <a:defRPr cap="all"/>
+          </a:pPr>
+          <a:r>
+            <a:rPr lang="en-US" dirty="0"/>
+            <a:t>Connect </a:t>
+          </a:r>
+          <a:r>
+            <a:rPr lang="en-US" dirty="0" err="1"/>
+            <a:t>Serilog</a:t>
+          </a:r>
+          <a:endParaRPr lang="en-US" dirty="0"/>
+        </a:p>
+      </dgm:t>
+    </dgm:pt>
+    <dgm:pt modelId="{EA8C5619-75DB-480D-9118-6DB14A96EC30}" type="parTrans" cxnId="{4B29A7CE-4E66-4F93-B41A-6FEBF50A3141}">
+      <dgm:prSet/>
+      <dgm:spPr/>
+      <dgm:t>
+        <a:bodyPr/>
+        <a:lstStyle/>
+        <a:p>
+          <a:endParaRPr lang="es-CO"/>
+        </a:p>
+      </dgm:t>
+    </dgm:pt>
+    <dgm:pt modelId="{28596CD4-EE0D-4351-A69C-D6379E7B0FF4}" type="sibTrans" cxnId="{4B29A7CE-4E66-4F93-B41A-6FEBF50A3141}">
+      <dgm:prSet/>
+      <dgm:spPr/>
+      <dgm:t>
+        <a:bodyPr/>
+        <a:lstStyle/>
+        <a:p>
+          <a:endParaRPr lang="es-CO"/>
+        </a:p>
+      </dgm:t>
+    </dgm:pt>
     <dgm:pt modelId="{A3309B84-08D5-43EA-B4AE-457FC99A644E}" type="pres">
       <dgm:prSet presAssocID="{79A56846-0194-4AD9-8DF0-4D4AFBD2D210}" presName="root" presStyleCnt="0">
         <dgm:presLayoutVars>
@@ -2151,12 +2198,69 @@
       </dgm:prSet>
       <dgm:spPr/>
     </dgm:pt>
+    <dgm:pt modelId="{46BC697E-3959-486B-8219-B61721242096}" type="pres">
+      <dgm:prSet presAssocID="{0CC95F3F-AE6B-4952-8DB8-FEA775B354D6}" presName="compNode" presStyleCnt="0"/>
+      <dgm:spPr/>
+    </dgm:pt>
+    <dgm:pt modelId="{C21F8DAF-C312-4491-9730-BCB6DE445814}" type="pres">
+      <dgm:prSet presAssocID="{0CC95F3F-AE6B-4952-8DB8-FEA775B354D6}" presName="iconBgRect" presStyleLbl="bgShp" presStyleIdx="0" presStyleCnt="5"/>
+      <dgm:spPr>
+        <a:prstGeom prst="round2DiagRect">
+          <a:avLst>
+            <a:gd name="adj1" fmla="val 29727"/>
+            <a:gd name="adj2" fmla="val 0"/>
+          </a:avLst>
+        </a:prstGeom>
+      </dgm:spPr>
+    </dgm:pt>
+    <dgm:pt modelId="{7DFECB98-D6E0-451B-9264-C54334352442}" type="pres">
+      <dgm:prSet presAssocID="{0CC95F3F-AE6B-4952-8DB8-FEA775B354D6}" presName="iconRect" presStyleLbl="node1" presStyleIdx="0" presStyleCnt="5"/>
+      <dgm:spPr>
+        <a:blipFill>
+          <a:blip xmlns:r="http://schemas.openxmlformats.org/officeDocument/2006/relationships" r:embed="rId1">
+            <a:extLst>
+              <a:ext uri="{28A0092B-C50C-407E-A947-70E740481C1C}">
+                <a14:useLocalDpi xmlns:a14="http://schemas.microsoft.com/office/drawing/2010/main" val="0"/>
+              </a:ext>
+              <a:ext uri="{96DAC541-7B7A-43D3-8B79-37D633B846F1}">
+                <asvg:svgBlip xmlns:asvg="http://schemas.microsoft.com/office/drawing/2016/SVG/main" r:embed="rId2"/>
+              </a:ext>
+            </a:extLst>
+          </a:blip>
+          <a:stretch>
+            <a:fillRect/>
+          </a:stretch>
+        </a:blipFill>
+      </dgm:spPr>
+      <dgm:extLst>
+        <a:ext uri="{E40237B7-FDA0-4F09-8148-C483321AD2D9}">
+          <dgm14:cNvPr xmlns:dgm14="http://schemas.microsoft.com/office/drawing/2010/diagram" id="0" name="" descr="Download"/>
+        </a:ext>
+      </dgm:extLst>
+    </dgm:pt>
+    <dgm:pt modelId="{306E9887-134C-413B-950A-B0831A33AD03}" type="pres">
+      <dgm:prSet presAssocID="{0CC95F3F-AE6B-4952-8DB8-FEA775B354D6}" presName="spaceRect" presStyleCnt="0"/>
+      <dgm:spPr/>
+    </dgm:pt>
+    <dgm:pt modelId="{E78360BE-580A-41F0-B2AE-4D07183810A6}" type="pres">
+      <dgm:prSet presAssocID="{0CC95F3F-AE6B-4952-8DB8-FEA775B354D6}" presName="textRect" presStyleLbl="revTx" presStyleIdx="0" presStyleCnt="5">
+        <dgm:presLayoutVars>
+          <dgm:chMax val="1"/>
+          <dgm:chPref val="1"/>
+        </dgm:presLayoutVars>
+      </dgm:prSet>
+      <dgm:spPr/>
+    </dgm:pt>
+    <dgm:pt modelId="{704FAA02-C6D1-44CF-92C0-C6A08659208C}" type="pres">
+      <dgm:prSet presAssocID="{51FCAD94-1E51-4A4A-9287-0C1E335D1F0D}" presName="sibTrans" presStyleCnt="0"/>
+      <dgm:spPr/>
+    </dgm:pt>
     <dgm:pt modelId="{908CDE05-0AB2-4437-A66E-B95D73D8C804}" type="pres">
       <dgm:prSet presAssocID="{DF1899B9-8D6D-4641-98D3-B483F20BA528}" presName="compNode" presStyleCnt="0"/>
       <dgm:spPr/>
     </dgm:pt>
     <dgm:pt modelId="{BF4610F3-47F6-40CE-AF23-4F8AE337E9BB}" type="pres">
-      <dgm:prSet presAssocID="{DF1899B9-8D6D-4641-98D3-B483F20BA528}" presName="iconBgRect" presStyleLbl="bgShp" presStyleIdx="0" presStyleCnt="4"/>
+      <dgm:prSet presAssocID="{DF1899B9-8D6D-4641-98D3-B483F20BA528}" presName="iconBgRect" presStyleLbl="bgShp" presStyleIdx="1" presStyleCnt="5"/>
       <dgm:spPr>
         <a:prstGeom prst="round2DiagRect">
           <a:avLst>
@@ -2167,16 +2271,16 @@
       </dgm:spPr>
     </dgm:pt>
     <dgm:pt modelId="{2A4FD15B-78F9-46D5-BA91-3D38793010BC}" type="pres">
-      <dgm:prSet presAssocID="{DF1899B9-8D6D-4641-98D3-B483F20BA528}" presName="iconRect" presStyleLbl="node1" presStyleIdx="0" presStyleCnt="4"/>
+      <dgm:prSet presAssocID="{DF1899B9-8D6D-4641-98D3-B483F20BA528}" presName="iconRect" presStyleLbl="node1" presStyleIdx="1" presStyleCnt="5"/>
       <dgm:spPr>
         <a:blipFill>
-          <a:blip xmlns:r="http://schemas.openxmlformats.org/officeDocument/2006/relationships" r:embed="rId1">
+          <a:blip xmlns:r="http://schemas.openxmlformats.org/officeDocument/2006/relationships" r:embed="rId3">
             <a:extLst>
               <a:ext uri="{28A0092B-C50C-407E-A947-70E740481C1C}">
                 <a14:useLocalDpi xmlns:a14="http://schemas.microsoft.com/office/drawing/2010/main" val="0"/>
               </a:ext>
               <a:ext uri="{96DAC541-7B7A-43D3-8B79-37D633B846F1}">
-                <asvg:svgBlip xmlns:asvg="http://schemas.microsoft.com/office/drawing/2016/SVG/main" r:embed="rId2"/>
+                <asvg:svgBlip xmlns:asvg="http://schemas.microsoft.com/office/drawing/2016/SVG/main" r:embed="rId4"/>
               </a:ext>
             </a:extLst>
           </a:blip>
@@ -2184,9 +2288,6 @@
             <a:fillRect/>
           </a:stretch>
         </a:blipFill>
-        <a:ln>
-          <a:noFill/>
-        </a:ln>
       </dgm:spPr>
       <dgm:extLst>
         <a:ext uri="{E40237B7-FDA0-4F09-8148-C483321AD2D9}">
@@ -2199,7 +2300,7 @@
       <dgm:spPr/>
     </dgm:pt>
     <dgm:pt modelId="{6D185A66-A78E-46F7-B3F0-66BAD9855B22}" type="pres">
-      <dgm:prSet presAssocID="{DF1899B9-8D6D-4641-98D3-B483F20BA528}" presName="textRect" presStyleLbl="revTx" presStyleIdx="0" presStyleCnt="4">
+      <dgm:prSet presAssocID="{DF1899B9-8D6D-4641-98D3-B483F20BA528}" presName="textRect" presStyleLbl="revTx" presStyleIdx="1" presStyleCnt="5">
         <dgm:presLayoutVars>
           <dgm:chMax val="1"/>
           <dgm:chPref val="1"/>
@@ -2211,72 +2312,12 @@
       <dgm:prSet presAssocID="{02A60259-99A9-4546-B108-4F020F19359D}" presName="sibTrans" presStyleCnt="0"/>
       <dgm:spPr/>
     </dgm:pt>
-    <dgm:pt modelId="{46BC697E-3959-486B-8219-B61721242096}" type="pres">
-      <dgm:prSet presAssocID="{0CC95F3F-AE6B-4952-8DB8-FEA775B354D6}" presName="compNode" presStyleCnt="0"/>
-      <dgm:spPr/>
-    </dgm:pt>
-    <dgm:pt modelId="{C21F8DAF-C312-4491-9730-BCB6DE445814}" type="pres">
-      <dgm:prSet presAssocID="{0CC95F3F-AE6B-4952-8DB8-FEA775B354D6}" presName="iconBgRect" presStyleLbl="bgShp" presStyleIdx="1" presStyleCnt="4"/>
-      <dgm:spPr>
-        <a:prstGeom prst="round2DiagRect">
-          <a:avLst>
-            <a:gd name="adj1" fmla="val 29727"/>
-            <a:gd name="adj2" fmla="val 0"/>
-          </a:avLst>
-        </a:prstGeom>
-      </dgm:spPr>
-    </dgm:pt>
-    <dgm:pt modelId="{7DFECB98-D6E0-451B-9264-C54334352442}" type="pres">
-      <dgm:prSet presAssocID="{0CC95F3F-AE6B-4952-8DB8-FEA775B354D6}" presName="iconRect" presStyleLbl="node1" presStyleIdx="1" presStyleCnt="4"/>
-      <dgm:spPr>
-        <a:blipFill>
-          <a:blip xmlns:r="http://schemas.openxmlformats.org/officeDocument/2006/relationships" r:embed="rId3">
-            <a:extLst>
-              <a:ext uri="{28A0092B-C50C-407E-A947-70E740481C1C}">
-                <a14:useLocalDpi xmlns:a14="http://schemas.microsoft.com/office/drawing/2010/main" val="0"/>
-              </a:ext>
-              <a:ext uri="{96DAC541-7B7A-43D3-8B79-37D633B846F1}">
-                <asvg:svgBlip xmlns:asvg="http://schemas.microsoft.com/office/drawing/2016/SVG/main" r:embed="rId4"/>
-              </a:ext>
-            </a:extLst>
-          </a:blip>
-          <a:stretch>
-            <a:fillRect/>
-          </a:stretch>
-        </a:blipFill>
-        <a:ln>
-          <a:noFill/>
-        </a:ln>
-      </dgm:spPr>
-      <dgm:extLst>
-        <a:ext uri="{E40237B7-FDA0-4F09-8148-C483321AD2D9}">
-          <dgm14:cNvPr xmlns:dgm14="http://schemas.microsoft.com/office/drawing/2010/diagram" id="0" name="" descr="Download"/>
-        </a:ext>
-      </dgm:extLst>
-    </dgm:pt>
-    <dgm:pt modelId="{306E9887-134C-413B-950A-B0831A33AD03}" type="pres">
-      <dgm:prSet presAssocID="{0CC95F3F-AE6B-4952-8DB8-FEA775B354D6}" presName="spaceRect" presStyleCnt="0"/>
-      <dgm:spPr/>
-    </dgm:pt>
-    <dgm:pt modelId="{E78360BE-580A-41F0-B2AE-4D07183810A6}" type="pres">
-      <dgm:prSet presAssocID="{0CC95F3F-AE6B-4952-8DB8-FEA775B354D6}" presName="textRect" presStyleLbl="revTx" presStyleIdx="1" presStyleCnt="4">
-        <dgm:presLayoutVars>
-          <dgm:chMax val="1"/>
-          <dgm:chPref val="1"/>
-        </dgm:presLayoutVars>
-      </dgm:prSet>
-      <dgm:spPr/>
-    </dgm:pt>
-    <dgm:pt modelId="{704FAA02-C6D1-44CF-92C0-C6A08659208C}" type="pres">
-      <dgm:prSet presAssocID="{51FCAD94-1E51-4A4A-9287-0C1E335D1F0D}" presName="sibTrans" presStyleCnt="0"/>
-      <dgm:spPr/>
-    </dgm:pt>
     <dgm:pt modelId="{7AAECA9F-42C9-43B8-AD5D-6EB28BD88FA4}" type="pres">
       <dgm:prSet presAssocID="{F02E7F67-7273-4A9D-8241-22440152CFC1}" presName="compNode" presStyleCnt="0"/>
       <dgm:spPr/>
     </dgm:pt>
     <dgm:pt modelId="{CD812C02-CEAD-4250-9629-183B1CE31F79}" type="pres">
-      <dgm:prSet presAssocID="{F02E7F67-7273-4A9D-8241-22440152CFC1}" presName="iconBgRect" presStyleLbl="bgShp" presStyleIdx="2" presStyleCnt="4"/>
+      <dgm:prSet presAssocID="{F02E7F67-7273-4A9D-8241-22440152CFC1}" presName="iconBgRect" presStyleLbl="bgShp" presStyleIdx="2" presStyleCnt="5"/>
       <dgm:spPr>
         <a:prstGeom prst="round2DiagRect">
           <a:avLst>
@@ -2287,7 +2328,7 @@
       </dgm:spPr>
     </dgm:pt>
     <dgm:pt modelId="{92982A30-709F-4AA5-830C-A829DC81828D}" type="pres">
-      <dgm:prSet presAssocID="{F02E7F67-7273-4A9D-8241-22440152CFC1}" presName="iconRect" presStyleLbl="node1" presStyleIdx="2" presStyleCnt="4"/>
+      <dgm:prSet presAssocID="{F02E7F67-7273-4A9D-8241-22440152CFC1}" presName="iconRect" presStyleLbl="node1" presStyleIdx="2" presStyleCnt="5"/>
       <dgm:spPr>
         <a:blipFill>
           <a:blip xmlns:r="http://schemas.openxmlformats.org/officeDocument/2006/relationships" r:embed="rId5">
@@ -2304,9 +2345,6 @@
             <a:fillRect/>
           </a:stretch>
         </a:blipFill>
-        <a:ln>
-          <a:noFill/>
-        </a:ln>
       </dgm:spPr>
       <dgm:extLst>
         <a:ext uri="{E40237B7-FDA0-4F09-8148-C483321AD2D9}">
@@ -2319,7 +2357,7 @@
       <dgm:spPr/>
     </dgm:pt>
     <dgm:pt modelId="{98977CA0-A02E-4F74-AF50-48FA3DB83500}" type="pres">
-      <dgm:prSet presAssocID="{F02E7F67-7273-4A9D-8241-22440152CFC1}" presName="textRect" presStyleLbl="revTx" presStyleIdx="2" presStyleCnt="4">
+      <dgm:prSet presAssocID="{F02E7F67-7273-4A9D-8241-22440152CFC1}" presName="textRect" presStyleLbl="revTx" presStyleIdx="2" presStyleCnt="5">
         <dgm:presLayoutVars>
           <dgm:chMax val="1"/>
           <dgm:chPref val="1"/>
@@ -2331,12 +2369,48 @@
       <dgm:prSet presAssocID="{277B41C7-CE09-4A03-B27F-AF21D429A7AB}" presName="sibTrans" presStyleCnt="0"/>
       <dgm:spPr/>
     </dgm:pt>
+    <dgm:pt modelId="{0C1D4396-DFBD-459A-8010-D1B2C0B80491}" type="pres">
+      <dgm:prSet presAssocID="{4B75A8EC-41EB-47FC-B09D-548A1E8230D9}" presName="compNode" presStyleCnt="0"/>
+      <dgm:spPr/>
+    </dgm:pt>
+    <dgm:pt modelId="{66E7D919-FA99-4B24-BE1F-21B293087DF5}" type="pres">
+      <dgm:prSet presAssocID="{4B75A8EC-41EB-47FC-B09D-548A1E8230D9}" presName="iconBgRect" presStyleLbl="bgShp" presStyleIdx="3" presStyleCnt="5"/>
+      <dgm:spPr>
+        <a:prstGeom prst="round2DiagRect">
+          <a:avLst>
+            <a:gd name="adj1" fmla="val 29727"/>
+            <a:gd name="adj2" fmla="val 0"/>
+          </a:avLst>
+        </a:prstGeom>
+      </dgm:spPr>
+    </dgm:pt>
+    <dgm:pt modelId="{9D72FC78-C377-4C25-89A3-CCB4C2E5D05F}" type="pres">
+      <dgm:prSet presAssocID="{4B75A8EC-41EB-47FC-B09D-548A1E8230D9}" presName="iconRect" presStyleLbl="node1" presStyleIdx="3" presStyleCnt="5"/>
+      <dgm:spPr/>
+    </dgm:pt>
+    <dgm:pt modelId="{21D996C8-B0CB-4E4B-B837-B86CBF8A34B2}" type="pres">
+      <dgm:prSet presAssocID="{4B75A8EC-41EB-47FC-B09D-548A1E8230D9}" presName="spaceRect" presStyleCnt="0"/>
+      <dgm:spPr/>
+    </dgm:pt>
+    <dgm:pt modelId="{AC8244A1-D8FF-454A-A2D1-AB92A6B250C7}" type="pres">
+      <dgm:prSet presAssocID="{4B75A8EC-41EB-47FC-B09D-548A1E8230D9}" presName="textRect" presStyleLbl="revTx" presStyleIdx="3" presStyleCnt="5">
+        <dgm:presLayoutVars>
+          <dgm:chMax val="1"/>
+          <dgm:chPref val="1"/>
+        </dgm:presLayoutVars>
+      </dgm:prSet>
+      <dgm:spPr/>
+    </dgm:pt>
+    <dgm:pt modelId="{5072C56A-30F1-47A9-9453-CAD0810C882E}" type="pres">
+      <dgm:prSet presAssocID="{28596CD4-EE0D-4351-A69C-D6379E7B0FF4}" presName="sibTrans" presStyleCnt="0"/>
+      <dgm:spPr/>
+    </dgm:pt>
     <dgm:pt modelId="{665CFB73-890B-40AB-874F-0DD69FF6A6A6}" type="pres">
       <dgm:prSet presAssocID="{06F739B4-9D64-4E33-BDF2-40BC9891E0C9}" presName="compNode" presStyleCnt="0"/>
       <dgm:spPr/>
     </dgm:pt>
     <dgm:pt modelId="{85C1BA42-520D-414C-AB71-078701303247}" type="pres">
-      <dgm:prSet presAssocID="{06F739B4-9D64-4E33-BDF2-40BC9891E0C9}" presName="iconBgRect" presStyleLbl="bgShp" presStyleIdx="3" presStyleCnt="4"/>
+      <dgm:prSet presAssocID="{06F739B4-9D64-4E33-BDF2-40BC9891E0C9}" presName="iconBgRect" presStyleLbl="bgShp" presStyleIdx="4" presStyleCnt="5"/>
       <dgm:spPr>
         <a:prstGeom prst="round2DiagRect">
           <a:avLst>
@@ -2347,7 +2421,7 @@
       </dgm:spPr>
     </dgm:pt>
     <dgm:pt modelId="{36045B5B-69F0-4385-9B43-1256995D5EEC}" type="pres">
-      <dgm:prSet presAssocID="{06F739B4-9D64-4E33-BDF2-40BC9891E0C9}" presName="iconRect" presStyleLbl="node1" presStyleIdx="3" presStyleCnt="4"/>
+      <dgm:prSet presAssocID="{06F739B4-9D64-4E33-BDF2-40BC9891E0C9}" presName="iconRect" presStyleLbl="node1" presStyleIdx="4" presStyleCnt="5"/>
       <dgm:spPr>
         <a:blipFill>
           <a:blip xmlns:r="http://schemas.openxmlformats.org/officeDocument/2006/relationships" r:embed="rId7">
@@ -2364,9 +2438,6 @@
             <a:fillRect/>
           </a:stretch>
         </a:blipFill>
-        <a:ln>
-          <a:noFill/>
-        </a:ln>
       </dgm:spPr>
       <dgm:extLst>
         <a:ext uri="{E40237B7-FDA0-4F09-8148-C483321AD2D9}">
@@ -2379,7 +2450,7 @@
       <dgm:spPr/>
     </dgm:pt>
     <dgm:pt modelId="{B84C6101-962C-4396-B566-C59AE61A4BFA}" type="pres">
-      <dgm:prSet presAssocID="{06F739B4-9D64-4E33-BDF2-40BC9891E0C9}" presName="textRect" presStyleLbl="revTx" presStyleIdx="3" presStyleCnt="4">
+      <dgm:prSet presAssocID="{06F739B4-9D64-4E33-BDF2-40BC9891E0C9}" presName="textRect" presStyleLbl="revTx" presStyleIdx="4" presStyleCnt="5">
         <dgm:presLayoutVars>
           <dgm:chMax val="1"/>
           <dgm:chPref val="1"/>
@@ -2389,38 +2460,46 @@
     </dgm:pt>
   </dgm:ptLst>
   <dgm:cxnLst>
-    <dgm:cxn modelId="{8F7FB603-CC98-48B9-9561-6D8211D1FC4A}" srcId="{79A56846-0194-4AD9-8DF0-4D4AFBD2D210}" destId="{0CC95F3F-AE6B-4952-8DB8-FEA775B354D6}" srcOrd="1" destOrd="0" parTransId="{31D07DC9-2BD0-486A-8A0B-888B74D90063}" sibTransId="{51FCAD94-1E51-4A4A-9287-0C1E335D1F0D}"/>
+    <dgm:cxn modelId="{8F7FB603-CC98-48B9-9561-6D8211D1FC4A}" srcId="{79A56846-0194-4AD9-8DF0-4D4AFBD2D210}" destId="{0CC95F3F-AE6B-4952-8DB8-FEA775B354D6}" srcOrd="0" destOrd="0" parTransId="{31D07DC9-2BD0-486A-8A0B-888B74D90063}" sibTransId="{51FCAD94-1E51-4A4A-9287-0C1E335D1F0D}"/>
+    <dgm:cxn modelId="{7069DF08-68FA-4392-83AF-93C6D2A1A89C}" type="presOf" srcId="{06F739B4-9D64-4E33-BDF2-40BC9891E0C9}" destId="{B84C6101-962C-4396-B566-C59AE61A4BFA}" srcOrd="0" destOrd="0" presId="urn:microsoft.com/office/officeart/2018/5/layout/IconLeafLabelList"/>
+    <dgm:cxn modelId="{999AF310-EE07-467B-8D25-AD96C7E6FEA3}" type="presOf" srcId="{0CC95F3F-AE6B-4952-8DB8-FEA775B354D6}" destId="{E78360BE-580A-41F0-B2AE-4D07183810A6}" srcOrd="0" destOrd="0" presId="urn:microsoft.com/office/officeart/2018/5/layout/IconLeafLabelList"/>
     <dgm:cxn modelId="{7840BA16-9F8A-40AF-844F-A2790F31CA45}" type="presOf" srcId="{79A56846-0194-4AD9-8DF0-4D4AFBD2D210}" destId="{A3309B84-08D5-43EA-B4AE-457FC99A644E}" srcOrd="0" destOrd="0" presId="urn:microsoft.com/office/officeart/2018/5/layout/IconLeafLabelList"/>
-    <dgm:cxn modelId="{9E263625-7C28-4F20-BDA2-F1ED8639AB61}" srcId="{79A56846-0194-4AD9-8DF0-4D4AFBD2D210}" destId="{DF1899B9-8D6D-4641-98D3-B483F20BA528}" srcOrd="0" destOrd="0" parTransId="{5F59100E-608A-4233-931B-014C83AEEAB4}" sibTransId="{02A60259-99A9-4546-B108-4F020F19359D}"/>
-    <dgm:cxn modelId="{8784F45E-0A53-42C1-90A3-EF6BCEBACFC8}" type="presOf" srcId="{06F739B4-9D64-4E33-BDF2-40BC9891E0C9}" destId="{B84C6101-962C-4396-B566-C59AE61A4BFA}" srcOrd="0" destOrd="0" presId="urn:microsoft.com/office/officeart/2018/5/layout/IconLeafLabelList"/>
-    <dgm:cxn modelId="{D87E3A62-9AD8-43FA-BF85-200B25DB736A}" type="presOf" srcId="{F02E7F67-7273-4A9D-8241-22440152CFC1}" destId="{98977CA0-A02E-4F74-AF50-48FA3DB83500}" srcOrd="0" destOrd="0" presId="urn:microsoft.com/office/officeart/2018/5/layout/IconLeafLabelList"/>
-    <dgm:cxn modelId="{F9607072-5A1A-40BA-8496-2DF7E6E12262}" type="presOf" srcId="{DF1899B9-8D6D-4641-98D3-B483F20BA528}" destId="{6D185A66-A78E-46F7-B3F0-66BAD9855B22}" srcOrd="0" destOrd="0" presId="urn:microsoft.com/office/officeart/2018/5/layout/IconLeafLabelList"/>
+    <dgm:cxn modelId="{9E263625-7C28-4F20-BDA2-F1ED8639AB61}" srcId="{79A56846-0194-4AD9-8DF0-4D4AFBD2D210}" destId="{DF1899B9-8D6D-4641-98D3-B483F20BA528}" srcOrd="1" destOrd="0" parTransId="{5F59100E-608A-4233-931B-014C83AEEAB4}" sibTransId="{02A60259-99A9-4546-B108-4F020F19359D}"/>
+    <dgm:cxn modelId="{BC781169-DBF4-4774-96AE-5B3BE599DA91}" type="presOf" srcId="{F02E7F67-7273-4A9D-8241-22440152CFC1}" destId="{98977CA0-A02E-4F74-AF50-48FA3DB83500}" srcOrd="0" destOrd="0" presId="urn:microsoft.com/office/officeart/2018/5/layout/IconLeafLabelList"/>
+    <dgm:cxn modelId="{14A92D71-DDD3-4CD1-BB84-D106C4BAAC9B}" type="presOf" srcId="{4B75A8EC-41EB-47FC-B09D-548A1E8230D9}" destId="{AC8244A1-D8FF-454A-A2D1-AB92A6B250C7}" srcOrd="0" destOrd="0" presId="urn:microsoft.com/office/officeart/2018/5/layout/IconLeafLabelList"/>
     <dgm:cxn modelId="{E3A3297F-A3FB-4A66-A629-DEF347427746}" srcId="{79A56846-0194-4AD9-8DF0-4D4AFBD2D210}" destId="{F02E7F67-7273-4A9D-8241-22440152CFC1}" srcOrd="2" destOrd="0" parTransId="{3FD9490A-ACFE-42AD-9559-F32B941E75C9}" sibTransId="{277B41C7-CE09-4A03-B27F-AF21D429A7AB}"/>
-    <dgm:cxn modelId="{B42E3294-34AC-4409-9E21-421E565C9E93}" srcId="{79A56846-0194-4AD9-8DF0-4D4AFBD2D210}" destId="{06F739B4-9D64-4E33-BDF2-40BC9891E0C9}" srcOrd="3" destOrd="0" parTransId="{CF71382B-FF03-43E5-87D5-B201AFAED45E}" sibTransId="{1DC6C827-0DF0-4AC2-B091-0CA28291AA1A}"/>
-    <dgm:cxn modelId="{DF759ED9-3A8A-42BB-AD8F-C3EEA0E54EAA}" type="presOf" srcId="{0CC95F3F-AE6B-4952-8DB8-FEA775B354D6}" destId="{E78360BE-580A-41F0-B2AE-4D07183810A6}" srcOrd="0" destOrd="0" presId="urn:microsoft.com/office/officeart/2018/5/layout/IconLeafLabelList"/>
-    <dgm:cxn modelId="{F1A1056C-1AD4-4C5D-B87E-B6DC7CA5D506}" type="presParOf" srcId="{A3309B84-08D5-43EA-B4AE-457FC99A644E}" destId="{908CDE05-0AB2-4437-A66E-B95D73D8C804}" srcOrd="0" destOrd="0" presId="urn:microsoft.com/office/officeart/2018/5/layout/IconLeafLabelList"/>
-    <dgm:cxn modelId="{45E9663A-15D9-4C53-AF45-31F55E6491C2}" type="presParOf" srcId="{908CDE05-0AB2-4437-A66E-B95D73D8C804}" destId="{BF4610F3-47F6-40CE-AF23-4F8AE337E9BB}" srcOrd="0" destOrd="0" presId="urn:microsoft.com/office/officeart/2018/5/layout/IconLeafLabelList"/>
-    <dgm:cxn modelId="{D97C8A80-0034-4519-9FF6-121E132BB807}" type="presParOf" srcId="{908CDE05-0AB2-4437-A66E-B95D73D8C804}" destId="{2A4FD15B-78F9-46D5-BA91-3D38793010BC}" srcOrd="1" destOrd="0" presId="urn:microsoft.com/office/officeart/2018/5/layout/IconLeafLabelList"/>
-    <dgm:cxn modelId="{4BE07473-9708-4FD8-87E5-CF7E71E3CF85}" type="presParOf" srcId="{908CDE05-0AB2-4437-A66E-B95D73D8C804}" destId="{A3FE23F2-58EB-4AFC-99DB-2337090B8BD8}" srcOrd="2" destOrd="0" presId="urn:microsoft.com/office/officeart/2018/5/layout/IconLeafLabelList"/>
-    <dgm:cxn modelId="{846B8354-7500-429B-BE5E-BD127651EA81}" type="presParOf" srcId="{908CDE05-0AB2-4437-A66E-B95D73D8C804}" destId="{6D185A66-A78E-46F7-B3F0-66BAD9855B22}" srcOrd="3" destOrd="0" presId="urn:microsoft.com/office/officeart/2018/5/layout/IconLeafLabelList"/>
-    <dgm:cxn modelId="{531A7D96-7233-4D99-82A6-C96918CCC36F}" type="presParOf" srcId="{A3309B84-08D5-43EA-B4AE-457FC99A644E}" destId="{04AE402B-23B0-40E2-9612-2020262542F0}" srcOrd="1" destOrd="0" presId="urn:microsoft.com/office/officeart/2018/5/layout/IconLeafLabelList"/>
-    <dgm:cxn modelId="{2186DD0D-87CA-435E-935F-D55700F162E2}" type="presParOf" srcId="{A3309B84-08D5-43EA-B4AE-457FC99A644E}" destId="{46BC697E-3959-486B-8219-B61721242096}" srcOrd="2" destOrd="0" presId="urn:microsoft.com/office/officeart/2018/5/layout/IconLeafLabelList"/>
-    <dgm:cxn modelId="{FFB78E94-44EB-4475-81CD-43944D88B22E}" type="presParOf" srcId="{46BC697E-3959-486B-8219-B61721242096}" destId="{C21F8DAF-C312-4491-9730-BCB6DE445814}" srcOrd="0" destOrd="0" presId="urn:microsoft.com/office/officeart/2018/5/layout/IconLeafLabelList"/>
-    <dgm:cxn modelId="{FEE5BE2D-3A1A-4B08-BBD9-D11C7E85AC2C}" type="presParOf" srcId="{46BC697E-3959-486B-8219-B61721242096}" destId="{7DFECB98-D6E0-451B-9264-C54334352442}" srcOrd="1" destOrd="0" presId="urn:microsoft.com/office/officeart/2018/5/layout/IconLeafLabelList"/>
-    <dgm:cxn modelId="{BFAE179C-6084-4C76-861C-75E889513647}" type="presParOf" srcId="{46BC697E-3959-486B-8219-B61721242096}" destId="{306E9887-134C-413B-950A-B0831A33AD03}" srcOrd="2" destOrd="0" presId="urn:microsoft.com/office/officeart/2018/5/layout/IconLeafLabelList"/>
-    <dgm:cxn modelId="{99326EA3-3463-4CF4-8F90-5F20A87AF7A0}" type="presParOf" srcId="{46BC697E-3959-486B-8219-B61721242096}" destId="{E78360BE-580A-41F0-B2AE-4D07183810A6}" srcOrd="3" destOrd="0" presId="urn:microsoft.com/office/officeart/2018/5/layout/IconLeafLabelList"/>
-    <dgm:cxn modelId="{C8EB9C7E-F4B5-4A22-9A57-858AB5623608}" type="presParOf" srcId="{A3309B84-08D5-43EA-B4AE-457FC99A644E}" destId="{704FAA02-C6D1-44CF-92C0-C6A08659208C}" srcOrd="3" destOrd="0" presId="urn:microsoft.com/office/officeart/2018/5/layout/IconLeafLabelList"/>
-    <dgm:cxn modelId="{612A564A-2B3D-497A-A578-EFE7E31ECFB6}" type="presParOf" srcId="{A3309B84-08D5-43EA-B4AE-457FC99A644E}" destId="{7AAECA9F-42C9-43B8-AD5D-6EB28BD88FA4}" srcOrd="4" destOrd="0" presId="urn:microsoft.com/office/officeart/2018/5/layout/IconLeafLabelList"/>
-    <dgm:cxn modelId="{249B2A7C-74E1-4CFA-AA46-72852D10BE19}" type="presParOf" srcId="{7AAECA9F-42C9-43B8-AD5D-6EB28BD88FA4}" destId="{CD812C02-CEAD-4250-9629-183B1CE31F79}" srcOrd="0" destOrd="0" presId="urn:microsoft.com/office/officeart/2018/5/layout/IconLeafLabelList"/>
-    <dgm:cxn modelId="{4FC394D4-2702-4890-B567-B5E67408C0A6}" type="presParOf" srcId="{7AAECA9F-42C9-43B8-AD5D-6EB28BD88FA4}" destId="{92982A30-709F-4AA5-830C-A829DC81828D}" srcOrd="1" destOrd="0" presId="urn:microsoft.com/office/officeart/2018/5/layout/IconLeafLabelList"/>
-    <dgm:cxn modelId="{DB26DFB9-549C-408D-89B2-B89345187339}" type="presParOf" srcId="{7AAECA9F-42C9-43B8-AD5D-6EB28BD88FA4}" destId="{1E318099-5DC9-449A-9B6F-996697529E7C}" srcOrd="2" destOrd="0" presId="urn:microsoft.com/office/officeart/2018/5/layout/IconLeafLabelList"/>
-    <dgm:cxn modelId="{0237ACB6-0BFE-4E8C-89CF-74022AD5D6BA}" type="presParOf" srcId="{7AAECA9F-42C9-43B8-AD5D-6EB28BD88FA4}" destId="{98977CA0-A02E-4F74-AF50-48FA3DB83500}" srcOrd="3" destOrd="0" presId="urn:microsoft.com/office/officeart/2018/5/layout/IconLeafLabelList"/>
-    <dgm:cxn modelId="{A43EF713-FDF5-4F6E-B037-7180981B1086}" type="presParOf" srcId="{A3309B84-08D5-43EA-B4AE-457FC99A644E}" destId="{7E46B799-32A4-4924-8CF0-628F21E289E3}" srcOrd="5" destOrd="0" presId="urn:microsoft.com/office/officeart/2018/5/layout/IconLeafLabelList"/>
-    <dgm:cxn modelId="{39E66B63-4169-4457-8F56-97A502E24375}" type="presParOf" srcId="{A3309B84-08D5-43EA-B4AE-457FC99A644E}" destId="{665CFB73-890B-40AB-874F-0DD69FF6A6A6}" srcOrd="6" destOrd="0" presId="urn:microsoft.com/office/officeart/2018/5/layout/IconLeafLabelList"/>
-    <dgm:cxn modelId="{90E0A020-F0EB-4772-AC8E-65CC7D26B8F9}" type="presParOf" srcId="{665CFB73-890B-40AB-874F-0DD69FF6A6A6}" destId="{85C1BA42-520D-414C-AB71-078701303247}" srcOrd="0" destOrd="0" presId="urn:microsoft.com/office/officeart/2018/5/layout/IconLeafLabelList"/>
-    <dgm:cxn modelId="{CC69FF1C-3F45-4ED0-A98A-9F71B1720ADE}" type="presParOf" srcId="{665CFB73-890B-40AB-874F-0DD69FF6A6A6}" destId="{36045B5B-69F0-4385-9B43-1256995D5EEC}" srcOrd="1" destOrd="0" presId="urn:microsoft.com/office/officeart/2018/5/layout/IconLeafLabelList"/>
-    <dgm:cxn modelId="{66DE18EB-310F-4614-A501-E328E841C3D0}" type="presParOf" srcId="{665CFB73-890B-40AB-874F-0DD69FF6A6A6}" destId="{50954C56-C2B1-48AD-8104-93C47D0587F5}" srcOrd="2" destOrd="0" presId="urn:microsoft.com/office/officeart/2018/5/layout/IconLeafLabelList"/>
-    <dgm:cxn modelId="{ABCE57DC-FFCD-45DC-B7AF-E221F72C71AF}" type="presParOf" srcId="{665CFB73-890B-40AB-874F-0DD69FF6A6A6}" destId="{B84C6101-962C-4396-B566-C59AE61A4BFA}" srcOrd="3" destOrd="0" presId="urn:microsoft.com/office/officeart/2018/5/layout/IconLeafLabelList"/>
+    <dgm:cxn modelId="{E4F8EC85-653E-4281-AAF7-0CAF59E536A6}" type="presOf" srcId="{DF1899B9-8D6D-4641-98D3-B483F20BA528}" destId="{6D185A66-A78E-46F7-B3F0-66BAD9855B22}" srcOrd="0" destOrd="0" presId="urn:microsoft.com/office/officeart/2018/5/layout/IconLeafLabelList"/>
+    <dgm:cxn modelId="{B42E3294-34AC-4409-9E21-421E565C9E93}" srcId="{79A56846-0194-4AD9-8DF0-4D4AFBD2D210}" destId="{06F739B4-9D64-4E33-BDF2-40BC9891E0C9}" srcOrd="4" destOrd="0" parTransId="{CF71382B-FF03-43E5-87D5-B201AFAED45E}" sibTransId="{1DC6C827-0DF0-4AC2-B091-0CA28291AA1A}"/>
+    <dgm:cxn modelId="{4B29A7CE-4E66-4F93-B41A-6FEBF50A3141}" srcId="{79A56846-0194-4AD9-8DF0-4D4AFBD2D210}" destId="{4B75A8EC-41EB-47FC-B09D-548A1E8230D9}" srcOrd="3" destOrd="0" parTransId="{EA8C5619-75DB-480D-9118-6DB14A96EC30}" sibTransId="{28596CD4-EE0D-4351-A69C-D6379E7B0FF4}"/>
+    <dgm:cxn modelId="{023DB309-F631-432F-AA5B-D0655F2E84AC}" type="presParOf" srcId="{A3309B84-08D5-43EA-B4AE-457FC99A644E}" destId="{46BC697E-3959-486B-8219-B61721242096}" srcOrd="0" destOrd="0" presId="urn:microsoft.com/office/officeart/2018/5/layout/IconLeafLabelList"/>
+    <dgm:cxn modelId="{56152CCB-10BD-4226-A189-5D1FA99388AD}" type="presParOf" srcId="{46BC697E-3959-486B-8219-B61721242096}" destId="{C21F8DAF-C312-4491-9730-BCB6DE445814}" srcOrd="0" destOrd="0" presId="urn:microsoft.com/office/officeart/2018/5/layout/IconLeafLabelList"/>
+    <dgm:cxn modelId="{32C54E04-A23D-4A61-B659-6C579CAD416E}" type="presParOf" srcId="{46BC697E-3959-486B-8219-B61721242096}" destId="{7DFECB98-D6E0-451B-9264-C54334352442}" srcOrd="1" destOrd="0" presId="urn:microsoft.com/office/officeart/2018/5/layout/IconLeafLabelList"/>
+    <dgm:cxn modelId="{22A07D76-33FF-45F4-B04B-558ECA3D2FEC}" type="presParOf" srcId="{46BC697E-3959-486B-8219-B61721242096}" destId="{306E9887-134C-413B-950A-B0831A33AD03}" srcOrd="2" destOrd="0" presId="urn:microsoft.com/office/officeart/2018/5/layout/IconLeafLabelList"/>
+    <dgm:cxn modelId="{745C8959-0D78-4C79-A944-4D1E3D036D73}" type="presParOf" srcId="{46BC697E-3959-486B-8219-B61721242096}" destId="{E78360BE-580A-41F0-B2AE-4D07183810A6}" srcOrd="3" destOrd="0" presId="urn:microsoft.com/office/officeart/2018/5/layout/IconLeafLabelList"/>
+    <dgm:cxn modelId="{286654BC-6593-4341-98D5-B39CD4AD8B5D}" type="presParOf" srcId="{A3309B84-08D5-43EA-B4AE-457FC99A644E}" destId="{704FAA02-C6D1-44CF-92C0-C6A08659208C}" srcOrd="1" destOrd="0" presId="urn:microsoft.com/office/officeart/2018/5/layout/IconLeafLabelList"/>
+    <dgm:cxn modelId="{0D9032CB-4440-4328-9E4F-E384E3776B9C}" type="presParOf" srcId="{A3309B84-08D5-43EA-B4AE-457FC99A644E}" destId="{908CDE05-0AB2-4437-A66E-B95D73D8C804}" srcOrd="2" destOrd="0" presId="urn:microsoft.com/office/officeart/2018/5/layout/IconLeafLabelList"/>
+    <dgm:cxn modelId="{C6E35D09-7E4D-40C1-BBED-B024E0ED86DE}" type="presParOf" srcId="{908CDE05-0AB2-4437-A66E-B95D73D8C804}" destId="{BF4610F3-47F6-40CE-AF23-4F8AE337E9BB}" srcOrd="0" destOrd="0" presId="urn:microsoft.com/office/officeart/2018/5/layout/IconLeafLabelList"/>
+    <dgm:cxn modelId="{893826A1-5964-43B9-86F0-0874D76A359F}" type="presParOf" srcId="{908CDE05-0AB2-4437-A66E-B95D73D8C804}" destId="{2A4FD15B-78F9-46D5-BA91-3D38793010BC}" srcOrd="1" destOrd="0" presId="urn:microsoft.com/office/officeart/2018/5/layout/IconLeafLabelList"/>
+    <dgm:cxn modelId="{AA3E75B1-CABE-489C-967A-F5ADC3ABF44D}" type="presParOf" srcId="{908CDE05-0AB2-4437-A66E-B95D73D8C804}" destId="{A3FE23F2-58EB-4AFC-99DB-2337090B8BD8}" srcOrd="2" destOrd="0" presId="urn:microsoft.com/office/officeart/2018/5/layout/IconLeafLabelList"/>
+    <dgm:cxn modelId="{31CF87E8-0D47-4A90-B473-36D0EB0EF33A}" type="presParOf" srcId="{908CDE05-0AB2-4437-A66E-B95D73D8C804}" destId="{6D185A66-A78E-46F7-B3F0-66BAD9855B22}" srcOrd="3" destOrd="0" presId="urn:microsoft.com/office/officeart/2018/5/layout/IconLeafLabelList"/>
+    <dgm:cxn modelId="{FFAD591E-3554-4E83-8ECF-CCC46BD04306}" type="presParOf" srcId="{A3309B84-08D5-43EA-B4AE-457FC99A644E}" destId="{04AE402B-23B0-40E2-9612-2020262542F0}" srcOrd="3" destOrd="0" presId="urn:microsoft.com/office/officeart/2018/5/layout/IconLeafLabelList"/>
+    <dgm:cxn modelId="{F55A3D1F-8449-4978-B008-0BFB2E762DCC}" type="presParOf" srcId="{A3309B84-08D5-43EA-B4AE-457FC99A644E}" destId="{7AAECA9F-42C9-43B8-AD5D-6EB28BD88FA4}" srcOrd="4" destOrd="0" presId="urn:microsoft.com/office/officeart/2018/5/layout/IconLeafLabelList"/>
+    <dgm:cxn modelId="{E5CC46E7-69B8-4EA3-A983-50CA7EC7F0E4}" type="presParOf" srcId="{7AAECA9F-42C9-43B8-AD5D-6EB28BD88FA4}" destId="{CD812C02-CEAD-4250-9629-183B1CE31F79}" srcOrd="0" destOrd="0" presId="urn:microsoft.com/office/officeart/2018/5/layout/IconLeafLabelList"/>
+    <dgm:cxn modelId="{19344583-3910-4D8F-A0DB-BE246564CEB6}" type="presParOf" srcId="{7AAECA9F-42C9-43B8-AD5D-6EB28BD88FA4}" destId="{92982A30-709F-4AA5-830C-A829DC81828D}" srcOrd="1" destOrd="0" presId="urn:microsoft.com/office/officeart/2018/5/layout/IconLeafLabelList"/>
+    <dgm:cxn modelId="{4CF4AF6E-A5C7-442D-B3A1-9CF6031F316A}" type="presParOf" srcId="{7AAECA9F-42C9-43B8-AD5D-6EB28BD88FA4}" destId="{1E318099-5DC9-449A-9B6F-996697529E7C}" srcOrd="2" destOrd="0" presId="urn:microsoft.com/office/officeart/2018/5/layout/IconLeafLabelList"/>
+    <dgm:cxn modelId="{07F348BD-82C2-4A44-83B7-C0B111FF725C}" type="presParOf" srcId="{7AAECA9F-42C9-43B8-AD5D-6EB28BD88FA4}" destId="{98977CA0-A02E-4F74-AF50-48FA3DB83500}" srcOrd="3" destOrd="0" presId="urn:microsoft.com/office/officeart/2018/5/layout/IconLeafLabelList"/>
+    <dgm:cxn modelId="{029B4087-211B-4D6F-BF3A-9C26EA2821CE}" type="presParOf" srcId="{A3309B84-08D5-43EA-B4AE-457FC99A644E}" destId="{7E46B799-32A4-4924-8CF0-628F21E289E3}" srcOrd="5" destOrd="0" presId="urn:microsoft.com/office/officeart/2018/5/layout/IconLeafLabelList"/>
+    <dgm:cxn modelId="{CCF5BDA2-CDE2-4E53-ADA8-07D46933156A}" type="presParOf" srcId="{A3309B84-08D5-43EA-B4AE-457FC99A644E}" destId="{0C1D4396-DFBD-459A-8010-D1B2C0B80491}" srcOrd="6" destOrd="0" presId="urn:microsoft.com/office/officeart/2018/5/layout/IconLeafLabelList"/>
+    <dgm:cxn modelId="{EE2A5B4D-CFFC-4F3F-AB41-CACE972E4771}" type="presParOf" srcId="{0C1D4396-DFBD-459A-8010-D1B2C0B80491}" destId="{66E7D919-FA99-4B24-BE1F-21B293087DF5}" srcOrd="0" destOrd="0" presId="urn:microsoft.com/office/officeart/2018/5/layout/IconLeafLabelList"/>
+    <dgm:cxn modelId="{F7534DE4-CA58-4D70-905F-938ECE230E58}" type="presParOf" srcId="{0C1D4396-DFBD-459A-8010-D1B2C0B80491}" destId="{9D72FC78-C377-4C25-89A3-CCB4C2E5D05F}" srcOrd="1" destOrd="0" presId="urn:microsoft.com/office/officeart/2018/5/layout/IconLeafLabelList"/>
+    <dgm:cxn modelId="{F7B00F9F-8DE9-4850-8C6C-7983F959E467}" type="presParOf" srcId="{0C1D4396-DFBD-459A-8010-D1B2C0B80491}" destId="{21D996C8-B0CB-4E4B-B837-B86CBF8A34B2}" srcOrd="2" destOrd="0" presId="urn:microsoft.com/office/officeart/2018/5/layout/IconLeafLabelList"/>
+    <dgm:cxn modelId="{4E83CFC2-BC5F-4AAD-9998-4D1B49DA56ED}" type="presParOf" srcId="{0C1D4396-DFBD-459A-8010-D1B2C0B80491}" destId="{AC8244A1-D8FF-454A-A2D1-AB92A6B250C7}" srcOrd="3" destOrd="0" presId="urn:microsoft.com/office/officeart/2018/5/layout/IconLeafLabelList"/>
+    <dgm:cxn modelId="{3C4D9ED6-ED39-4987-8C4C-DF5DA3077FFD}" type="presParOf" srcId="{A3309B84-08D5-43EA-B4AE-457FC99A644E}" destId="{5072C56A-30F1-47A9-9453-CAD0810C882E}" srcOrd="7" destOrd="0" presId="urn:microsoft.com/office/officeart/2018/5/layout/IconLeafLabelList"/>
+    <dgm:cxn modelId="{FF0B71A4-C131-4B94-9B45-5D2C89B869D8}" type="presParOf" srcId="{A3309B84-08D5-43EA-B4AE-457FC99A644E}" destId="{665CFB73-890B-40AB-874F-0DD69FF6A6A6}" srcOrd="8" destOrd="0" presId="urn:microsoft.com/office/officeart/2018/5/layout/IconLeafLabelList"/>
+    <dgm:cxn modelId="{04A83693-39BB-49E7-A981-00894D8C9E11}" type="presParOf" srcId="{665CFB73-890B-40AB-874F-0DD69FF6A6A6}" destId="{85C1BA42-520D-414C-AB71-078701303247}" srcOrd="0" destOrd="0" presId="urn:microsoft.com/office/officeart/2018/5/layout/IconLeafLabelList"/>
+    <dgm:cxn modelId="{49F4400C-AE32-4486-8F05-9C4A4E91235B}" type="presParOf" srcId="{665CFB73-890B-40AB-874F-0DD69FF6A6A6}" destId="{36045B5B-69F0-4385-9B43-1256995D5EEC}" srcOrd="1" destOrd="0" presId="urn:microsoft.com/office/officeart/2018/5/layout/IconLeafLabelList"/>
+    <dgm:cxn modelId="{026EB310-2514-488C-B75F-FC945488080B}" type="presParOf" srcId="{665CFB73-890B-40AB-874F-0DD69FF6A6A6}" destId="{50954C56-C2B1-48AD-8104-93C47D0587F5}" srcOrd="2" destOrd="0" presId="urn:microsoft.com/office/officeart/2018/5/layout/IconLeafLabelList"/>
+    <dgm:cxn modelId="{CD44A33D-3BBD-457C-9048-2CB7C7B9B4B5}" type="presParOf" srcId="{665CFB73-890B-40AB-874F-0DD69FF6A6A6}" destId="{B84C6101-962C-4396-B566-C59AE61A4BFA}" srcOrd="3" destOrd="0" presId="urn:microsoft.com/office/officeart/2018/5/layout/IconLeafLabelList"/>
   </dgm:cxnLst>
   <dgm:bg/>
   <dgm:whole/>
@@ -2607,6 +2686,56 @@
         </a:p>
       </dgm:t>
     </dgm:pt>
+    <dgm:pt modelId="{098E8C67-5D1F-4125-B9A9-D7F798449C94}">
+      <dgm:prSet/>
+      <dgm:spPr/>
+      <dgm:t>
+        <a:bodyPr/>
+        <a:lstStyle/>
+        <a:p>
+          <a:pPr>
+            <a:lnSpc>
+              <a:spcPct val="100000"/>
+            </a:lnSpc>
+            <a:defRPr cap="all"/>
+          </a:pPr>
+          <a:r>
+            <a:rPr lang="en-US" dirty="0"/>
+            <a:t>Connect </a:t>
+          </a:r>
+          <a:r>
+            <a:rPr lang="en-US" dirty="0" err="1"/>
+            <a:t>serilog</a:t>
+          </a:r>
+          <a:r>
+            <a:rPr lang="en-US" dirty="0"/>
+            <a:t> to elastic</a:t>
+          </a:r>
+        </a:p>
+      </dgm:t>
+    </dgm:pt>
+    <dgm:pt modelId="{6AF43E1E-BFA5-422D-8901-5959AA30E9EB}" type="parTrans" cxnId="{1883742A-42DE-4ED7-A1D5-BFF725BF4AEA}">
+      <dgm:prSet/>
+      <dgm:spPr/>
+      <dgm:t>
+        <a:bodyPr/>
+        <a:lstStyle/>
+        <a:p>
+          <a:endParaRPr lang="es-CO"/>
+        </a:p>
+      </dgm:t>
+    </dgm:pt>
+    <dgm:pt modelId="{AC21E9A7-5A2E-4278-BD72-37C6DCFC1EFD}" type="sibTrans" cxnId="{1883742A-42DE-4ED7-A1D5-BFF725BF4AEA}">
+      <dgm:prSet/>
+      <dgm:spPr/>
+      <dgm:t>
+        <a:bodyPr/>
+        <a:lstStyle/>
+        <a:p>
+          <a:endParaRPr lang="es-CO"/>
+        </a:p>
+      </dgm:t>
+    </dgm:pt>
     <dgm:pt modelId="{3A2066D5-30BF-4699-A035-F6FD33E28D48}" type="pres">
       <dgm:prSet presAssocID="{0EB15EDC-2A22-4BB0-BD4B-CBE092438733}" presName="root" presStyleCnt="0">
         <dgm:presLayoutVars>
@@ -2616,12 +2745,48 @@
       </dgm:prSet>
       <dgm:spPr/>
     </dgm:pt>
+    <dgm:pt modelId="{920EBAA2-0F08-44A0-9EB1-A9921C42D802}" type="pres">
+      <dgm:prSet presAssocID="{098E8C67-5D1F-4125-B9A9-D7F798449C94}" presName="compNode" presStyleCnt="0"/>
+      <dgm:spPr/>
+    </dgm:pt>
+    <dgm:pt modelId="{22BB12DE-639B-4C19-9139-CFA793C4DC41}" type="pres">
+      <dgm:prSet presAssocID="{098E8C67-5D1F-4125-B9A9-D7F798449C94}" presName="iconBgRect" presStyleLbl="bgShp" presStyleIdx="0" presStyleCnt="4"/>
+      <dgm:spPr>
+        <a:prstGeom prst="round2DiagRect">
+          <a:avLst>
+            <a:gd name="adj1" fmla="val 29727"/>
+            <a:gd name="adj2" fmla="val 0"/>
+          </a:avLst>
+        </a:prstGeom>
+      </dgm:spPr>
+    </dgm:pt>
+    <dgm:pt modelId="{6C6FBEC4-1A51-483E-953A-539BC85DF366}" type="pres">
+      <dgm:prSet presAssocID="{098E8C67-5D1F-4125-B9A9-D7F798449C94}" presName="iconRect" presStyleLbl="node1" presStyleIdx="0" presStyleCnt="4"/>
+      <dgm:spPr/>
+    </dgm:pt>
+    <dgm:pt modelId="{7E0D9B1F-0816-4357-8CD9-FAF578F01C45}" type="pres">
+      <dgm:prSet presAssocID="{098E8C67-5D1F-4125-B9A9-D7F798449C94}" presName="spaceRect" presStyleCnt="0"/>
+      <dgm:spPr/>
+    </dgm:pt>
+    <dgm:pt modelId="{9B4C97D2-24B0-4EB1-A372-E4E1DD82AD35}" type="pres">
+      <dgm:prSet presAssocID="{098E8C67-5D1F-4125-B9A9-D7F798449C94}" presName="textRect" presStyleLbl="revTx" presStyleIdx="0" presStyleCnt="4">
+        <dgm:presLayoutVars>
+          <dgm:chMax val="1"/>
+          <dgm:chPref val="1"/>
+        </dgm:presLayoutVars>
+      </dgm:prSet>
+      <dgm:spPr/>
+    </dgm:pt>
+    <dgm:pt modelId="{0F8FBF4F-3F09-457F-A2A7-813F8D7EAAA0}" type="pres">
+      <dgm:prSet presAssocID="{AC21E9A7-5A2E-4278-BD72-37C6DCFC1EFD}" presName="sibTrans" presStyleCnt="0"/>
+      <dgm:spPr/>
+    </dgm:pt>
     <dgm:pt modelId="{DF379404-3D4B-4817-9584-E627C47EAB0B}" type="pres">
       <dgm:prSet presAssocID="{9A462B65-3A1A-4558-85D6-3209BC140E40}" presName="compNode" presStyleCnt="0"/>
       <dgm:spPr/>
     </dgm:pt>
     <dgm:pt modelId="{D1C5972D-47F7-4D66-AC45-AAEAE2065E6F}" type="pres">
-      <dgm:prSet presAssocID="{9A462B65-3A1A-4558-85D6-3209BC140E40}" presName="iconBgRect" presStyleLbl="bgShp" presStyleIdx="0" presStyleCnt="3"/>
+      <dgm:prSet presAssocID="{9A462B65-3A1A-4558-85D6-3209BC140E40}" presName="iconBgRect" presStyleLbl="bgShp" presStyleIdx="1" presStyleCnt="4"/>
       <dgm:spPr>
         <a:prstGeom prst="round2DiagRect">
           <a:avLst>
@@ -2632,7 +2797,7 @@
       </dgm:spPr>
     </dgm:pt>
     <dgm:pt modelId="{00E6B01C-D160-4537-BBD9-F64DA9F472F9}" type="pres">
-      <dgm:prSet presAssocID="{9A462B65-3A1A-4558-85D6-3209BC140E40}" presName="iconRect" presStyleLbl="node1" presStyleIdx="0" presStyleCnt="3"/>
+      <dgm:prSet presAssocID="{9A462B65-3A1A-4558-85D6-3209BC140E40}" presName="iconRect" presStyleLbl="node1" presStyleIdx="1" presStyleCnt="4"/>
       <dgm:spPr>
         <a:blipFill>
           <a:blip xmlns:r="http://schemas.openxmlformats.org/officeDocument/2006/relationships" r:embed="rId1">
@@ -2664,7 +2829,7 @@
       <dgm:spPr/>
     </dgm:pt>
     <dgm:pt modelId="{F11757CC-C62E-4578-812A-6882B4977DB4}" type="pres">
-      <dgm:prSet presAssocID="{9A462B65-3A1A-4558-85D6-3209BC140E40}" presName="textRect" presStyleLbl="revTx" presStyleIdx="0" presStyleCnt="3">
+      <dgm:prSet presAssocID="{9A462B65-3A1A-4558-85D6-3209BC140E40}" presName="textRect" presStyleLbl="revTx" presStyleIdx="1" presStyleCnt="4">
         <dgm:presLayoutVars>
           <dgm:chMax val="1"/>
           <dgm:chPref val="1"/>
@@ -2681,7 +2846,7 @@
       <dgm:spPr/>
     </dgm:pt>
     <dgm:pt modelId="{6F19D8E3-6503-4910-83A9-EB6829AB39CA}" type="pres">
-      <dgm:prSet presAssocID="{CC425F53-7C46-4386-B84B-AE904A90666C}" presName="iconBgRect" presStyleLbl="bgShp" presStyleIdx="1" presStyleCnt="3"/>
+      <dgm:prSet presAssocID="{CC425F53-7C46-4386-B84B-AE904A90666C}" presName="iconBgRect" presStyleLbl="bgShp" presStyleIdx="2" presStyleCnt="4"/>
       <dgm:spPr>
         <a:prstGeom prst="round2DiagRect">
           <a:avLst>
@@ -2692,7 +2857,7 @@
       </dgm:spPr>
     </dgm:pt>
     <dgm:pt modelId="{468A5F56-9DC0-41A0-910F-B4431DD13FCA}" type="pres">
-      <dgm:prSet presAssocID="{CC425F53-7C46-4386-B84B-AE904A90666C}" presName="iconRect" presStyleLbl="node1" presStyleIdx="1" presStyleCnt="3"/>
+      <dgm:prSet presAssocID="{CC425F53-7C46-4386-B84B-AE904A90666C}" presName="iconRect" presStyleLbl="node1" presStyleIdx="2" presStyleCnt="4"/>
       <dgm:spPr>
         <a:blipFill>
           <a:blip xmlns:r="http://schemas.openxmlformats.org/officeDocument/2006/relationships" r:embed="rId3">
@@ -2724,7 +2889,7 @@
       <dgm:spPr/>
     </dgm:pt>
     <dgm:pt modelId="{3552D663-C7B3-44F9-8C48-717112183B69}" type="pres">
-      <dgm:prSet presAssocID="{CC425F53-7C46-4386-B84B-AE904A90666C}" presName="textRect" presStyleLbl="revTx" presStyleIdx="1" presStyleCnt="3">
+      <dgm:prSet presAssocID="{CC425F53-7C46-4386-B84B-AE904A90666C}" presName="textRect" presStyleLbl="revTx" presStyleIdx="2" presStyleCnt="4">
         <dgm:presLayoutVars>
           <dgm:chMax val="1"/>
           <dgm:chPref val="1"/>
@@ -2741,7 +2906,7 @@
       <dgm:spPr/>
     </dgm:pt>
     <dgm:pt modelId="{77BA3B8C-1298-4DE1-9DD9-0FD9663EB6D3}" type="pres">
-      <dgm:prSet presAssocID="{854EA01D-54A3-4EC9-95CC-1FDD54ADC510}" presName="iconBgRect" presStyleLbl="bgShp" presStyleIdx="2" presStyleCnt="3"/>
+      <dgm:prSet presAssocID="{854EA01D-54A3-4EC9-95CC-1FDD54ADC510}" presName="iconBgRect" presStyleLbl="bgShp" presStyleIdx="3" presStyleCnt="4"/>
       <dgm:spPr>
         <a:prstGeom prst="round2DiagRect">
           <a:avLst>
@@ -2752,7 +2917,7 @@
       </dgm:spPr>
     </dgm:pt>
     <dgm:pt modelId="{833FEDEA-5934-449A-8734-432B07584A3D}" type="pres">
-      <dgm:prSet presAssocID="{854EA01D-54A3-4EC9-95CC-1FDD54ADC510}" presName="iconRect" presStyleLbl="node1" presStyleIdx="2" presStyleCnt="3"/>
+      <dgm:prSet presAssocID="{854EA01D-54A3-4EC9-95CC-1FDD54ADC510}" presName="iconRect" presStyleLbl="node1" presStyleIdx="3" presStyleCnt="4"/>
       <dgm:spPr>
         <a:blipFill>
           <a:blip xmlns:r="http://schemas.openxmlformats.org/officeDocument/2006/relationships" r:embed="rId5">
@@ -2784,7 +2949,7 @@
       <dgm:spPr/>
     </dgm:pt>
     <dgm:pt modelId="{7CBB3D33-863B-46B2-A7A6-8B1CC7325F85}" type="pres">
-      <dgm:prSet presAssocID="{854EA01D-54A3-4EC9-95CC-1FDD54ADC510}" presName="textRect" presStyleLbl="revTx" presStyleIdx="2" presStyleCnt="3">
+      <dgm:prSet presAssocID="{854EA01D-54A3-4EC9-95CC-1FDD54ADC510}" presName="textRect" presStyleLbl="revTx" presStyleIdx="3" presStyleCnt="4">
         <dgm:presLayoutVars>
           <dgm:chMax val="1"/>
           <dgm:chPref val="1"/>
@@ -2794,30 +2959,38 @@
     </dgm:pt>
   </dgm:ptLst>
   <dgm:cxnLst>
-    <dgm:cxn modelId="{FED5386A-6992-47D4-9716-74412E9DFB45}" type="presOf" srcId="{9A462B65-3A1A-4558-85D6-3209BC140E40}" destId="{F11757CC-C62E-4578-812A-6882B4977DB4}" srcOrd="0" destOrd="0" presId="urn:microsoft.com/office/officeart/2018/5/layout/IconLeafLabelList"/>
-    <dgm:cxn modelId="{ECDF934E-663E-4562-B5E4-ECD8DC3437CA}" srcId="{0EB15EDC-2A22-4BB0-BD4B-CBE092438733}" destId="{854EA01D-54A3-4EC9-95CC-1FDD54ADC510}" srcOrd="2" destOrd="0" parTransId="{55CCF91C-F8D9-4CFA-8F3E-A1FA55E29CB2}" sibTransId="{7AA4CD98-31F5-416F-AC77-EF483AFBB91F}"/>
-    <dgm:cxn modelId="{521FC353-0321-429C-AD32-5C34FBDBDFC1}" type="presOf" srcId="{CC425F53-7C46-4386-B84B-AE904A90666C}" destId="{3552D663-C7B3-44F9-8C48-717112183B69}" srcOrd="0" destOrd="0" presId="urn:microsoft.com/office/officeart/2018/5/layout/IconLeafLabelList"/>
-    <dgm:cxn modelId="{01DABF55-0456-4345-ABEA-94620A537E4F}" srcId="{0EB15EDC-2A22-4BB0-BD4B-CBE092438733}" destId="{9A462B65-3A1A-4558-85D6-3209BC140E40}" srcOrd="0" destOrd="0" parTransId="{4EE86FFF-818C-45A5-9886-174E1DF62C20}" sibTransId="{4DAFD200-75B8-432C-98D8-D9158B0F231C}"/>
+    <dgm:cxn modelId="{1883742A-42DE-4ED7-A1D5-BFF725BF4AEA}" srcId="{0EB15EDC-2A22-4BB0-BD4B-CBE092438733}" destId="{098E8C67-5D1F-4125-B9A9-D7F798449C94}" srcOrd="0" destOrd="0" parTransId="{6AF43E1E-BFA5-422D-8901-5959AA30E9EB}" sibTransId="{AC21E9A7-5A2E-4278-BD72-37C6DCFC1EFD}"/>
+    <dgm:cxn modelId="{6C07FF46-5C0B-40C9-B9EC-E530FB0490D3}" type="presOf" srcId="{9A462B65-3A1A-4558-85D6-3209BC140E40}" destId="{F11757CC-C62E-4578-812A-6882B4977DB4}" srcOrd="0" destOrd="0" presId="urn:microsoft.com/office/officeart/2018/5/layout/IconLeafLabelList"/>
+    <dgm:cxn modelId="{ECDF934E-663E-4562-B5E4-ECD8DC3437CA}" srcId="{0EB15EDC-2A22-4BB0-BD4B-CBE092438733}" destId="{854EA01D-54A3-4EC9-95CC-1FDD54ADC510}" srcOrd="3" destOrd="0" parTransId="{55CCF91C-F8D9-4CFA-8F3E-A1FA55E29CB2}" sibTransId="{7AA4CD98-31F5-416F-AC77-EF483AFBB91F}"/>
+    <dgm:cxn modelId="{01DABF55-0456-4345-ABEA-94620A537E4F}" srcId="{0EB15EDC-2A22-4BB0-BD4B-CBE092438733}" destId="{9A462B65-3A1A-4558-85D6-3209BC140E40}" srcOrd="1" destOrd="0" parTransId="{4EE86FFF-818C-45A5-9886-174E1DF62C20}" sibTransId="{4DAFD200-75B8-432C-98D8-D9158B0F231C}"/>
+    <dgm:cxn modelId="{77273E8B-0495-45A7-AC5D-09392DC375B1}" type="presOf" srcId="{CC425F53-7C46-4386-B84B-AE904A90666C}" destId="{3552D663-C7B3-44F9-8C48-717112183B69}" srcOrd="0" destOrd="0" presId="urn:microsoft.com/office/officeart/2018/5/layout/IconLeafLabelList"/>
+    <dgm:cxn modelId="{AA81DAA9-ED7B-4852-B5C7-41706C4E344B}" type="presOf" srcId="{098E8C67-5D1F-4125-B9A9-D7F798449C94}" destId="{9B4C97D2-24B0-4EB1-A372-E4E1DD82AD35}" srcOrd="0" destOrd="0" presId="urn:microsoft.com/office/officeart/2018/5/layout/IconLeafLabelList"/>
+    <dgm:cxn modelId="{92C6FCB0-EA37-4773-8416-582C81667546}" type="presOf" srcId="{854EA01D-54A3-4EC9-95CC-1FDD54ADC510}" destId="{7CBB3D33-863B-46B2-A7A6-8B1CC7325F85}" srcOrd="0" destOrd="0" presId="urn:microsoft.com/office/officeart/2018/5/layout/IconLeafLabelList"/>
     <dgm:cxn modelId="{715F31EB-8750-4AAD-8325-361F645374E1}" type="presOf" srcId="{0EB15EDC-2A22-4BB0-BD4B-CBE092438733}" destId="{3A2066D5-30BF-4699-A035-F6FD33E28D48}" srcOrd="0" destOrd="0" presId="urn:microsoft.com/office/officeart/2018/5/layout/IconLeafLabelList"/>
-    <dgm:cxn modelId="{D23664F9-0B8F-4F33-A60A-1D14A4AE801E}" type="presOf" srcId="{854EA01D-54A3-4EC9-95CC-1FDD54ADC510}" destId="{7CBB3D33-863B-46B2-A7A6-8B1CC7325F85}" srcOrd="0" destOrd="0" presId="urn:microsoft.com/office/officeart/2018/5/layout/IconLeafLabelList"/>
-    <dgm:cxn modelId="{45B68EFF-EEF7-4B9E-8C87-FB80C4AD9663}" srcId="{0EB15EDC-2A22-4BB0-BD4B-CBE092438733}" destId="{CC425F53-7C46-4386-B84B-AE904A90666C}" srcOrd="1" destOrd="0" parTransId="{B1797597-54B2-403B-84B3-1F33561D95D2}" sibTransId="{C8D08976-F37B-4A7C-B07E-6F5ECB384F13}"/>
-    <dgm:cxn modelId="{FF605D04-EAFD-45F5-9DF0-2986B799A551}" type="presParOf" srcId="{3A2066D5-30BF-4699-A035-F6FD33E28D48}" destId="{DF379404-3D4B-4817-9584-E627C47EAB0B}" srcOrd="0" destOrd="0" presId="urn:microsoft.com/office/officeart/2018/5/layout/IconLeafLabelList"/>
-    <dgm:cxn modelId="{CFD48EB2-DBCC-420E-A5F1-36F16B339626}" type="presParOf" srcId="{DF379404-3D4B-4817-9584-E627C47EAB0B}" destId="{D1C5972D-47F7-4D66-AC45-AAEAE2065E6F}" srcOrd="0" destOrd="0" presId="urn:microsoft.com/office/officeart/2018/5/layout/IconLeafLabelList"/>
-    <dgm:cxn modelId="{DE962190-D9FE-4EC9-A29D-EE5F918DC513}" type="presParOf" srcId="{DF379404-3D4B-4817-9584-E627C47EAB0B}" destId="{00E6B01C-D160-4537-BBD9-F64DA9F472F9}" srcOrd="1" destOrd="0" presId="urn:microsoft.com/office/officeart/2018/5/layout/IconLeafLabelList"/>
-    <dgm:cxn modelId="{4B5A48C8-7617-451B-BB77-2FA5E00D18F2}" type="presParOf" srcId="{DF379404-3D4B-4817-9584-E627C47EAB0B}" destId="{45E0F2A4-7A59-4DDD-B36E-E5C31B67A2B9}" srcOrd="2" destOrd="0" presId="urn:microsoft.com/office/officeart/2018/5/layout/IconLeafLabelList"/>
-    <dgm:cxn modelId="{6B39F3C0-4F4C-427F-A291-3EF62C8254F3}" type="presParOf" srcId="{DF379404-3D4B-4817-9584-E627C47EAB0B}" destId="{F11757CC-C62E-4578-812A-6882B4977DB4}" srcOrd="3" destOrd="0" presId="urn:microsoft.com/office/officeart/2018/5/layout/IconLeafLabelList"/>
-    <dgm:cxn modelId="{A2FFEB6C-132F-48B6-BC84-7B83165EA9A0}" type="presParOf" srcId="{3A2066D5-30BF-4699-A035-F6FD33E28D48}" destId="{E15F5ABB-F447-4AAA-8D25-252E89C2544E}" srcOrd="1" destOrd="0" presId="urn:microsoft.com/office/officeart/2018/5/layout/IconLeafLabelList"/>
-    <dgm:cxn modelId="{1CD702F7-F38E-48F5-8993-627A5A5A8F04}" type="presParOf" srcId="{3A2066D5-30BF-4699-A035-F6FD33E28D48}" destId="{CE998F49-58DA-4D23-B50B-860133B5894A}" srcOrd="2" destOrd="0" presId="urn:microsoft.com/office/officeart/2018/5/layout/IconLeafLabelList"/>
-    <dgm:cxn modelId="{C71C8323-F441-4EDA-944B-62C22429AE2B}" type="presParOf" srcId="{CE998F49-58DA-4D23-B50B-860133B5894A}" destId="{6F19D8E3-6503-4910-83A9-EB6829AB39CA}" srcOrd="0" destOrd="0" presId="urn:microsoft.com/office/officeart/2018/5/layout/IconLeafLabelList"/>
-    <dgm:cxn modelId="{E5F23B95-1E23-48A9-A968-A50D8FA7F3C8}" type="presParOf" srcId="{CE998F49-58DA-4D23-B50B-860133B5894A}" destId="{468A5F56-9DC0-41A0-910F-B4431DD13FCA}" srcOrd="1" destOrd="0" presId="urn:microsoft.com/office/officeart/2018/5/layout/IconLeafLabelList"/>
-    <dgm:cxn modelId="{52F416D2-CBD9-46F4-9D80-8436CE434E1D}" type="presParOf" srcId="{CE998F49-58DA-4D23-B50B-860133B5894A}" destId="{53249F1E-73FD-47BA-B0F8-E02056451BE6}" srcOrd="2" destOrd="0" presId="urn:microsoft.com/office/officeart/2018/5/layout/IconLeafLabelList"/>
-    <dgm:cxn modelId="{E06837B1-2317-4927-B02F-4942F070D2B8}" type="presParOf" srcId="{CE998F49-58DA-4D23-B50B-860133B5894A}" destId="{3552D663-C7B3-44F9-8C48-717112183B69}" srcOrd="3" destOrd="0" presId="urn:microsoft.com/office/officeart/2018/5/layout/IconLeafLabelList"/>
-    <dgm:cxn modelId="{F1F55303-337A-4083-A4D0-1741B128A569}" type="presParOf" srcId="{3A2066D5-30BF-4699-A035-F6FD33E28D48}" destId="{1F71D777-F384-4DC6-B1D5-DEE1515B04A9}" srcOrd="3" destOrd="0" presId="urn:microsoft.com/office/officeart/2018/5/layout/IconLeafLabelList"/>
-    <dgm:cxn modelId="{A4F5F989-A7BA-456E-BAA4-CBAFAB48452A}" type="presParOf" srcId="{3A2066D5-30BF-4699-A035-F6FD33E28D48}" destId="{FDD06AA6-0E2A-4FC0-A070-194DEA59ABFD}" srcOrd="4" destOrd="0" presId="urn:microsoft.com/office/officeart/2018/5/layout/IconLeafLabelList"/>
-    <dgm:cxn modelId="{8FA2F47E-801D-421F-BFC2-9C4B7E219734}" type="presParOf" srcId="{FDD06AA6-0E2A-4FC0-A070-194DEA59ABFD}" destId="{77BA3B8C-1298-4DE1-9DD9-0FD9663EB6D3}" srcOrd="0" destOrd="0" presId="urn:microsoft.com/office/officeart/2018/5/layout/IconLeafLabelList"/>
-    <dgm:cxn modelId="{35C476A8-0403-401C-9242-5BA2868EEFA5}" type="presParOf" srcId="{FDD06AA6-0E2A-4FC0-A070-194DEA59ABFD}" destId="{833FEDEA-5934-449A-8734-432B07584A3D}" srcOrd="1" destOrd="0" presId="urn:microsoft.com/office/officeart/2018/5/layout/IconLeafLabelList"/>
-    <dgm:cxn modelId="{4A584BFE-AD4F-4078-87ED-FC7C0798388C}" type="presParOf" srcId="{FDD06AA6-0E2A-4FC0-A070-194DEA59ABFD}" destId="{8ACA7F61-9FB4-47EB-B054-E4F6A811BE19}" srcOrd="2" destOrd="0" presId="urn:microsoft.com/office/officeart/2018/5/layout/IconLeafLabelList"/>
-    <dgm:cxn modelId="{1752B4DA-92BA-49C5-AE1A-FABC8D3DEBF2}" type="presParOf" srcId="{FDD06AA6-0E2A-4FC0-A070-194DEA59ABFD}" destId="{7CBB3D33-863B-46B2-A7A6-8B1CC7325F85}" srcOrd="3" destOrd="0" presId="urn:microsoft.com/office/officeart/2018/5/layout/IconLeafLabelList"/>
+    <dgm:cxn modelId="{45B68EFF-EEF7-4B9E-8C87-FB80C4AD9663}" srcId="{0EB15EDC-2A22-4BB0-BD4B-CBE092438733}" destId="{CC425F53-7C46-4386-B84B-AE904A90666C}" srcOrd="2" destOrd="0" parTransId="{B1797597-54B2-403B-84B3-1F33561D95D2}" sibTransId="{C8D08976-F37B-4A7C-B07E-6F5ECB384F13}"/>
+    <dgm:cxn modelId="{5BA7E943-5CBE-44A5-9037-186A965A6FB8}" type="presParOf" srcId="{3A2066D5-30BF-4699-A035-F6FD33E28D48}" destId="{920EBAA2-0F08-44A0-9EB1-A9921C42D802}" srcOrd="0" destOrd="0" presId="urn:microsoft.com/office/officeart/2018/5/layout/IconLeafLabelList"/>
+    <dgm:cxn modelId="{77A12B68-1EC4-403C-B391-5857B8F0537E}" type="presParOf" srcId="{920EBAA2-0F08-44A0-9EB1-A9921C42D802}" destId="{22BB12DE-639B-4C19-9139-CFA793C4DC41}" srcOrd="0" destOrd="0" presId="urn:microsoft.com/office/officeart/2018/5/layout/IconLeafLabelList"/>
+    <dgm:cxn modelId="{B080BA27-5EB3-464D-9537-8A5B255A35C5}" type="presParOf" srcId="{920EBAA2-0F08-44A0-9EB1-A9921C42D802}" destId="{6C6FBEC4-1A51-483E-953A-539BC85DF366}" srcOrd="1" destOrd="0" presId="urn:microsoft.com/office/officeart/2018/5/layout/IconLeafLabelList"/>
+    <dgm:cxn modelId="{4403E6F4-91BB-459F-8489-888BA7264AC9}" type="presParOf" srcId="{920EBAA2-0F08-44A0-9EB1-A9921C42D802}" destId="{7E0D9B1F-0816-4357-8CD9-FAF578F01C45}" srcOrd="2" destOrd="0" presId="urn:microsoft.com/office/officeart/2018/5/layout/IconLeafLabelList"/>
+    <dgm:cxn modelId="{128893BC-57EF-4DB6-8412-6388D9444BE5}" type="presParOf" srcId="{920EBAA2-0F08-44A0-9EB1-A9921C42D802}" destId="{9B4C97D2-24B0-4EB1-A372-E4E1DD82AD35}" srcOrd="3" destOrd="0" presId="urn:microsoft.com/office/officeart/2018/5/layout/IconLeafLabelList"/>
+    <dgm:cxn modelId="{C15D96A9-D6B1-48AD-BD20-F6A873DB4DE0}" type="presParOf" srcId="{3A2066D5-30BF-4699-A035-F6FD33E28D48}" destId="{0F8FBF4F-3F09-457F-A2A7-813F8D7EAAA0}" srcOrd="1" destOrd="0" presId="urn:microsoft.com/office/officeart/2018/5/layout/IconLeafLabelList"/>
+    <dgm:cxn modelId="{4CAC114A-7389-48B1-8C47-1152B460EAA5}" type="presParOf" srcId="{3A2066D5-30BF-4699-A035-F6FD33E28D48}" destId="{DF379404-3D4B-4817-9584-E627C47EAB0B}" srcOrd="2" destOrd="0" presId="urn:microsoft.com/office/officeart/2018/5/layout/IconLeafLabelList"/>
+    <dgm:cxn modelId="{B14E7B7E-4FB6-4729-AAC2-48B4FFFB7F09}" type="presParOf" srcId="{DF379404-3D4B-4817-9584-E627C47EAB0B}" destId="{D1C5972D-47F7-4D66-AC45-AAEAE2065E6F}" srcOrd="0" destOrd="0" presId="urn:microsoft.com/office/officeart/2018/5/layout/IconLeafLabelList"/>
+    <dgm:cxn modelId="{47657AD2-F0F1-4BDC-804F-362217EC27EC}" type="presParOf" srcId="{DF379404-3D4B-4817-9584-E627C47EAB0B}" destId="{00E6B01C-D160-4537-BBD9-F64DA9F472F9}" srcOrd="1" destOrd="0" presId="urn:microsoft.com/office/officeart/2018/5/layout/IconLeafLabelList"/>
+    <dgm:cxn modelId="{E19B3A4D-FA4E-4857-80AD-8B53259BF054}" type="presParOf" srcId="{DF379404-3D4B-4817-9584-E627C47EAB0B}" destId="{45E0F2A4-7A59-4DDD-B36E-E5C31B67A2B9}" srcOrd="2" destOrd="0" presId="urn:microsoft.com/office/officeart/2018/5/layout/IconLeafLabelList"/>
+    <dgm:cxn modelId="{DE978A05-B343-4E7F-A982-7A98BC30BC1B}" type="presParOf" srcId="{DF379404-3D4B-4817-9584-E627C47EAB0B}" destId="{F11757CC-C62E-4578-812A-6882B4977DB4}" srcOrd="3" destOrd="0" presId="urn:microsoft.com/office/officeart/2018/5/layout/IconLeafLabelList"/>
+    <dgm:cxn modelId="{51923473-6FF2-4968-A836-D99A389288D3}" type="presParOf" srcId="{3A2066D5-30BF-4699-A035-F6FD33E28D48}" destId="{E15F5ABB-F447-4AAA-8D25-252E89C2544E}" srcOrd="3" destOrd="0" presId="urn:microsoft.com/office/officeart/2018/5/layout/IconLeafLabelList"/>
+    <dgm:cxn modelId="{852AEABB-82F9-46F6-B476-9E6273D0A128}" type="presParOf" srcId="{3A2066D5-30BF-4699-A035-F6FD33E28D48}" destId="{CE998F49-58DA-4D23-B50B-860133B5894A}" srcOrd="4" destOrd="0" presId="urn:microsoft.com/office/officeart/2018/5/layout/IconLeafLabelList"/>
+    <dgm:cxn modelId="{498AB575-ACD4-42C9-B99E-4BF4A25B4D92}" type="presParOf" srcId="{CE998F49-58DA-4D23-B50B-860133B5894A}" destId="{6F19D8E3-6503-4910-83A9-EB6829AB39CA}" srcOrd="0" destOrd="0" presId="urn:microsoft.com/office/officeart/2018/5/layout/IconLeafLabelList"/>
+    <dgm:cxn modelId="{EC0403CD-6471-4FD3-A418-16F7A0461FDC}" type="presParOf" srcId="{CE998F49-58DA-4D23-B50B-860133B5894A}" destId="{468A5F56-9DC0-41A0-910F-B4431DD13FCA}" srcOrd="1" destOrd="0" presId="urn:microsoft.com/office/officeart/2018/5/layout/IconLeafLabelList"/>
+    <dgm:cxn modelId="{5C9C9FDD-4D5C-43DE-877F-111D1621404B}" type="presParOf" srcId="{CE998F49-58DA-4D23-B50B-860133B5894A}" destId="{53249F1E-73FD-47BA-B0F8-E02056451BE6}" srcOrd="2" destOrd="0" presId="urn:microsoft.com/office/officeart/2018/5/layout/IconLeafLabelList"/>
+    <dgm:cxn modelId="{B692B465-D482-4DCF-9711-676A03DB4B9D}" type="presParOf" srcId="{CE998F49-58DA-4D23-B50B-860133B5894A}" destId="{3552D663-C7B3-44F9-8C48-717112183B69}" srcOrd="3" destOrd="0" presId="urn:microsoft.com/office/officeart/2018/5/layout/IconLeafLabelList"/>
+    <dgm:cxn modelId="{B01D9C1C-6A2A-47CD-82D2-50F325C7DC36}" type="presParOf" srcId="{3A2066D5-30BF-4699-A035-F6FD33E28D48}" destId="{1F71D777-F384-4DC6-B1D5-DEE1515B04A9}" srcOrd="5" destOrd="0" presId="urn:microsoft.com/office/officeart/2018/5/layout/IconLeafLabelList"/>
+    <dgm:cxn modelId="{388E9C58-EB73-458C-9F65-C0E637E830C7}" type="presParOf" srcId="{3A2066D5-30BF-4699-A035-F6FD33E28D48}" destId="{FDD06AA6-0E2A-4FC0-A070-194DEA59ABFD}" srcOrd="6" destOrd="0" presId="urn:microsoft.com/office/officeart/2018/5/layout/IconLeafLabelList"/>
+    <dgm:cxn modelId="{56951C5F-76BD-4AA8-940A-EDB7379A7601}" type="presParOf" srcId="{FDD06AA6-0E2A-4FC0-A070-194DEA59ABFD}" destId="{77BA3B8C-1298-4DE1-9DD9-0FD9663EB6D3}" srcOrd="0" destOrd="0" presId="urn:microsoft.com/office/officeart/2018/5/layout/IconLeafLabelList"/>
+    <dgm:cxn modelId="{307F55A3-295B-4ED6-AE0A-6C8A187C942F}" type="presParOf" srcId="{FDD06AA6-0E2A-4FC0-A070-194DEA59ABFD}" destId="{833FEDEA-5934-449A-8734-432B07584A3D}" srcOrd="1" destOrd="0" presId="urn:microsoft.com/office/officeart/2018/5/layout/IconLeafLabelList"/>
+    <dgm:cxn modelId="{5E1D8852-3729-4A19-B52D-9763C78FE0EA}" type="presParOf" srcId="{FDD06AA6-0E2A-4FC0-A070-194DEA59ABFD}" destId="{8ACA7F61-9FB4-47EB-B054-E4F6A811BE19}" srcOrd="2" destOrd="0" presId="urn:microsoft.com/office/officeart/2018/5/layout/IconLeafLabelList"/>
+    <dgm:cxn modelId="{9D57573A-2168-46F1-A0C0-D95C039C6C43}" type="presParOf" srcId="{FDD06AA6-0E2A-4FC0-A070-194DEA59ABFD}" destId="{7CBB3D33-863B-46B2-A7A6-8B1CC7325F85}" srcOrd="3" destOrd="0" presId="urn:microsoft.com/office/officeart/2018/5/layout/IconLeafLabelList"/>
   </dgm:cxnLst>
   <dgm:bg/>
   <dgm:whole/>
@@ -2837,7 +3010,823 @@
       <dsp:cNvGrpSpPr/>
     </dsp:nvGrpSpPr>
     <dsp:grpSpPr/>
+    <dsp:sp modelId="{C21F8DAF-C312-4491-9730-BCB6DE445814}">
+      <dsp:nvSpPr>
+        <dsp:cNvPr id="0" name=""/>
+        <dsp:cNvSpPr/>
+      </dsp:nvSpPr>
+      <dsp:spPr>
+        <a:xfrm>
+          <a:off x="350684" y="501502"/>
+          <a:ext cx="1081916" cy="1081916"/>
+        </a:xfrm>
+        <a:prstGeom prst="round2DiagRect">
+          <a:avLst>
+            <a:gd name="adj1" fmla="val 29727"/>
+            <a:gd name="adj2" fmla="val 0"/>
+          </a:avLst>
+        </a:prstGeom>
+        <a:solidFill>
+          <a:schemeClr val="accent2">
+            <a:hueOff val="0"/>
+            <a:satOff val="0"/>
+            <a:lumOff val="0"/>
+            <a:alphaOff val="0"/>
+          </a:schemeClr>
+        </a:solidFill>
+        <a:ln>
+          <a:noFill/>
+        </a:ln>
+        <a:effectLst/>
+      </dsp:spPr>
+      <dsp:style>
+        <a:lnRef idx="0">
+          <a:scrgbClr r="0" g="0" b="0"/>
+        </a:lnRef>
+        <a:fillRef idx="1">
+          <a:scrgbClr r="0" g="0" b="0"/>
+        </a:fillRef>
+        <a:effectRef idx="0">
+          <a:scrgbClr r="0" g="0" b="0"/>
+        </a:effectRef>
+        <a:fontRef idx="minor"/>
+      </dsp:style>
+    </dsp:sp>
+    <dsp:sp modelId="{7DFECB98-D6E0-451B-9264-C54334352442}">
+      <dsp:nvSpPr>
+        <dsp:cNvPr id="0" name=""/>
+        <dsp:cNvSpPr/>
+      </dsp:nvSpPr>
+      <dsp:spPr>
+        <a:xfrm>
+          <a:off x="581257" y="732074"/>
+          <a:ext cx="620771" cy="620771"/>
+        </a:xfrm>
+        <a:prstGeom prst="rect">
+          <a:avLst/>
+        </a:prstGeom>
+        <a:blipFill>
+          <a:blip xmlns:r="http://schemas.openxmlformats.org/officeDocument/2006/relationships" r:embed="rId1">
+            <a:extLst>
+              <a:ext uri="{28A0092B-C50C-407E-A947-70E740481C1C}">
+                <a14:useLocalDpi xmlns:a14="http://schemas.microsoft.com/office/drawing/2010/main" val="0"/>
+              </a:ext>
+              <a:ext uri="{96DAC541-7B7A-43D3-8B79-37D633B846F1}">
+                <asvg:svgBlip xmlns:asvg="http://schemas.microsoft.com/office/drawing/2016/SVG/main" r:embed="rId2"/>
+              </a:ext>
+            </a:extLst>
+          </a:blip>
+          <a:stretch>
+            <a:fillRect/>
+          </a:stretch>
+        </a:blipFill>
+        <a:ln w="12700" cap="flat" cmpd="sng" algn="ctr">
+          <a:solidFill>
+            <a:schemeClr val="lt1">
+              <a:alpha val="0"/>
+              <a:hueOff val="0"/>
+              <a:satOff val="0"/>
+              <a:lumOff val="0"/>
+              <a:alphaOff val="0"/>
+            </a:schemeClr>
+          </a:solidFill>
+          <a:prstDash val="solid"/>
+          <a:miter lim="800000"/>
+        </a:ln>
+        <a:effectLst/>
+      </dsp:spPr>
+      <dsp:style>
+        <a:lnRef idx="2">
+          <a:scrgbClr r="0" g="0" b="0"/>
+        </a:lnRef>
+        <a:fillRef idx="1">
+          <a:scrgbClr r="0" g="0" b="0"/>
+        </a:fillRef>
+        <a:effectRef idx="0">
+          <a:scrgbClr r="0" g="0" b="0"/>
+        </a:effectRef>
+        <a:fontRef idx="minor">
+          <a:schemeClr val="lt1"/>
+        </a:fontRef>
+      </dsp:style>
+    </dsp:sp>
+    <dsp:sp modelId="{E78360BE-580A-41F0-B2AE-4D07183810A6}">
+      <dsp:nvSpPr>
+        <dsp:cNvPr id="0" name=""/>
+        <dsp:cNvSpPr/>
+      </dsp:nvSpPr>
+      <dsp:spPr>
+        <a:xfrm>
+          <a:off x="4826" y="1920408"/>
+          <a:ext cx="1773632" cy="709453"/>
+        </a:xfrm>
+        <a:prstGeom prst="rect">
+          <a:avLst/>
+        </a:prstGeom>
+        <a:noFill/>
+        <a:ln>
+          <a:noFill/>
+        </a:ln>
+        <a:effectLst/>
+      </dsp:spPr>
+      <dsp:style>
+        <a:lnRef idx="0">
+          <a:scrgbClr r="0" g="0" b="0"/>
+        </a:lnRef>
+        <a:fillRef idx="0">
+          <a:scrgbClr r="0" g="0" b="0"/>
+        </a:fillRef>
+        <a:effectRef idx="0">
+          <a:scrgbClr r="0" g="0" b="0"/>
+        </a:effectRef>
+        <a:fontRef idx="minor"/>
+      </dsp:style>
+      <dsp:txBody>
+        <a:bodyPr spcFirstLastPara="0" vert="horz" wrap="square" lIns="0" tIns="0" rIns="0" bIns="0" numCol="1" spcCol="1270" anchor="t" anchorCtr="0">
+          <a:noAutofit/>
+        </a:bodyPr>
+        <a:lstStyle/>
+        <a:p>
+          <a:pPr marL="0" lvl="0" indent="0" algn="ctr" defTabSz="800100">
+            <a:lnSpc>
+              <a:spcPct val="100000"/>
+            </a:lnSpc>
+            <a:spcBef>
+              <a:spcPct val="0"/>
+            </a:spcBef>
+            <a:spcAft>
+              <a:spcPct val="35000"/>
+            </a:spcAft>
+            <a:buNone/>
+            <a:defRPr cap="all"/>
+          </a:pPr>
+          <a:r>
+            <a:rPr lang="en-US" sz="1800" kern="1200" dirty="0"/>
+            <a:t>Download the Example Project</a:t>
+          </a:r>
+        </a:p>
+      </dsp:txBody>
+      <dsp:txXfrm>
+        <a:off x="4826" y="1920408"/>
+        <a:ext cx="1773632" cy="709453"/>
+      </dsp:txXfrm>
+    </dsp:sp>
     <dsp:sp modelId="{BF4610F3-47F6-40CE-AF23-4F8AE337E9BB}">
+      <dsp:nvSpPr>
+        <dsp:cNvPr id="0" name=""/>
+        <dsp:cNvSpPr/>
+      </dsp:nvSpPr>
+      <dsp:spPr>
+        <a:xfrm>
+          <a:off x="2434703" y="501502"/>
+          <a:ext cx="1081916" cy="1081916"/>
+        </a:xfrm>
+        <a:prstGeom prst="round2DiagRect">
+          <a:avLst>
+            <a:gd name="adj1" fmla="val 29727"/>
+            <a:gd name="adj2" fmla="val 0"/>
+          </a:avLst>
+        </a:prstGeom>
+        <a:solidFill>
+          <a:schemeClr val="accent3">
+            <a:hueOff val="0"/>
+            <a:satOff val="0"/>
+            <a:lumOff val="0"/>
+            <a:alphaOff val="0"/>
+          </a:schemeClr>
+        </a:solidFill>
+        <a:ln>
+          <a:noFill/>
+        </a:ln>
+        <a:effectLst/>
+      </dsp:spPr>
+      <dsp:style>
+        <a:lnRef idx="0">
+          <a:scrgbClr r="0" g="0" b="0"/>
+        </a:lnRef>
+        <a:fillRef idx="1">
+          <a:scrgbClr r="0" g="0" b="0"/>
+        </a:fillRef>
+        <a:effectRef idx="0">
+          <a:scrgbClr r="0" g="0" b="0"/>
+        </a:effectRef>
+        <a:fontRef idx="minor"/>
+      </dsp:style>
+    </dsp:sp>
+    <dsp:sp modelId="{2A4FD15B-78F9-46D5-BA91-3D38793010BC}">
+      <dsp:nvSpPr>
+        <dsp:cNvPr id="0" name=""/>
+        <dsp:cNvSpPr/>
+      </dsp:nvSpPr>
+      <dsp:spPr>
+        <a:xfrm>
+          <a:off x="2665275" y="732074"/>
+          <a:ext cx="620771" cy="620771"/>
+        </a:xfrm>
+        <a:prstGeom prst="rect">
+          <a:avLst/>
+        </a:prstGeom>
+        <a:blipFill>
+          <a:blip xmlns:r="http://schemas.openxmlformats.org/officeDocument/2006/relationships" r:embed="rId3">
+            <a:extLst>
+              <a:ext uri="{28A0092B-C50C-407E-A947-70E740481C1C}">
+                <a14:useLocalDpi xmlns:a14="http://schemas.microsoft.com/office/drawing/2010/main" val="0"/>
+              </a:ext>
+              <a:ext uri="{96DAC541-7B7A-43D3-8B79-37D633B846F1}">
+                <asvg:svgBlip xmlns:asvg="http://schemas.microsoft.com/office/drawing/2016/SVG/main" r:embed="rId4"/>
+              </a:ext>
+            </a:extLst>
+          </a:blip>
+          <a:stretch>
+            <a:fillRect/>
+          </a:stretch>
+        </a:blipFill>
+        <a:ln w="12700" cap="flat" cmpd="sng" algn="ctr">
+          <a:solidFill>
+            <a:schemeClr val="lt1">
+              <a:alpha val="0"/>
+              <a:hueOff val="0"/>
+              <a:satOff val="0"/>
+              <a:lumOff val="0"/>
+              <a:alphaOff val="0"/>
+            </a:schemeClr>
+          </a:solidFill>
+          <a:prstDash val="solid"/>
+          <a:miter lim="800000"/>
+        </a:ln>
+        <a:effectLst/>
+      </dsp:spPr>
+      <dsp:style>
+        <a:lnRef idx="2">
+          <a:scrgbClr r="0" g="0" b="0"/>
+        </a:lnRef>
+        <a:fillRef idx="1">
+          <a:scrgbClr r="0" g="0" b="0"/>
+        </a:fillRef>
+        <a:effectRef idx="0">
+          <a:scrgbClr r="0" g="0" b="0"/>
+        </a:effectRef>
+        <a:fontRef idx="minor">
+          <a:schemeClr val="lt1"/>
+        </a:fontRef>
+      </dsp:style>
+    </dsp:sp>
+    <dsp:sp modelId="{6D185A66-A78E-46F7-B3F0-66BAD9855B22}">
+      <dsp:nvSpPr>
+        <dsp:cNvPr id="0" name=""/>
+        <dsp:cNvSpPr/>
+      </dsp:nvSpPr>
+      <dsp:spPr>
+        <a:xfrm>
+          <a:off x="2088845" y="1920408"/>
+          <a:ext cx="1773632" cy="709453"/>
+        </a:xfrm>
+        <a:prstGeom prst="rect">
+          <a:avLst/>
+        </a:prstGeom>
+        <a:noFill/>
+        <a:ln>
+          <a:noFill/>
+        </a:ln>
+        <a:effectLst/>
+      </dsp:spPr>
+      <dsp:style>
+        <a:lnRef idx="0">
+          <a:scrgbClr r="0" g="0" b="0"/>
+        </a:lnRef>
+        <a:fillRef idx="0">
+          <a:scrgbClr r="0" g="0" b="0"/>
+        </a:fillRef>
+        <a:effectRef idx="0">
+          <a:scrgbClr r="0" g="0" b="0"/>
+        </a:effectRef>
+        <a:fontRef idx="minor"/>
+      </dsp:style>
+      <dsp:txBody>
+        <a:bodyPr spcFirstLastPara="0" vert="horz" wrap="square" lIns="0" tIns="0" rIns="0" bIns="0" numCol="1" spcCol="1270" anchor="t" anchorCtr="0">
+          <a:noAutofit/>
+        </a:bodyPr>
+        <a:lstStyle/>
+        <a:p>
+          <a:pPr marL="0" lvl="0" indent="0" algn="ctr" defTabSz="800100">
+            <a:lnSpc>
+              <a:spcPct val="100000"/>
+            </a:lnSpc>
+            <a:spcBef>
+              <a:spcPct val="0"/>
+            </a:spcBef>
+            <a:spcAft>
+              <a:spcPct val="35000"/>
+            </a:spcAft>
+            <a:buNone/>
+            <a:defRPr cap="all"/>
+          </a:pPr>
+          <a:r>
+            <a:rPr lang="en-US" sz="1800" kern="1200" dirty="0"/>
+            <a:t>Prepare SQL structure</a:t>
+          </a:r>
+        </a:p>
+      </dsp:txBody>
+      <dsp:txXfrm>
+        <a:off x="2088845" y="1920408"/>
+        <a:ext cx="1773632" cy="709453"/>
+      </dsp:txXfrm>
+    </dsp:sp>
+    <dsp:sp modelId="{CD812C02-CEAD-4250-9629-183B1CE31F79}">
+      <dsp:nvSpPr>
+        <dsp:cNvPr id="0" name=""/>
+        <dsp:cNvSpPr/>
+      </dsp:nvSpPr>
+      <dsp:spPr>
+        <a:xfrm>
+          <a:off x="4518721" y="501502"/>
+          <a:ext cx="1081916" cy="1081916"/>
+        </a:xfrm>
+        <a:prstGeom prst="round2DiagRect">
+          <a:avLst>
+            <a:gd name="adj1" fmla="val 29727"/>
+            <a:gd name="adj2" fmla="val 0"/>
+          </a:avLst>
+        </a:prstGeom>
+        <a:solidFill>
+          <a:schemeClr val="accent4">
+            <a:hueOff val="0"/>
+            <a:satOff val="0"/>
+            <a:lumOff val="0"/>
+            <a:alphaOff val="0"/>
+          </a:schemeClr>
+        </a:solidFill>
+        <a:ln>
+          <a:noFill/>
+        </a:ln>
+        <a:effectLst/>
+      </dsp:spPr>
+      <dsp:style>
+        <a:lnRef idx="0">
+          <a:scrgbClr r="0" g="0" b="0"/>
+        </a:lnRef>
+        <a:fillRef idx="1">
+          <a:scrgbClr r="0" g="0" b="0"/>
+        </a:fillRef>
+        <a:effectRef idx="0">
+          <a:scrgbClr r="0" g="0" b="0"/>
+        </a:effectRef>
+        <a:fontRef idx="minor"/>
+      </dsp:style>
+    </dsp:sp>
+    <dsp:sp modelId="{92982A30-709F-4AA5-830C-A829DC81828D}">
+      <dsp:nvSpPr>
+        <dsp:cNvPr id="0" name=""/>
+        <dsp:cNvSpPr/>
+      </dsp:nvSpPr>
+      <dsp:spPr>
+        <a:xfrm>
+          <a:off x="4749294" y="732074"/>
+          <a:ext cx="620771" cy="620771"/>
+        </a:xfrm>
+        <a:prstGeom prst="rect">
+          <a:avLst/>
+        </a:prstGeom>
+        <a:blipFill>
+          <a:blip xmlns:r="http://schemas.openxmlformats.org/officeDocument/2006/relationships" r:embed="rId5">
+            <a:extLst>
+              <a:ext uri="{28A0092B-C50C-407E-A947-70E740481C1C}">
+                <a14:useLocalDpi xmlns:a14="http://schemas.microsoft.com/office/drawing/2010/main" val="0"/>
+              </a:ext>
+              <a:ext uri="{96DAC541-7B7A-43D3-8B79-37D633B846F1}">
+                <asvg:svgBlip xmlns:asvg="http://schemas.microsoft.com/office/drawing/2016/SVG/main" r:embed="rId6"/>
+              </a:ext>
+            </a:extLst>
+          </a:blip>
+          <a:stretch>
+            <a:fillRect/>
+          </a:stretch>
+        </a:blipFill>
+        <a:ln w="12700" cap="flat" cmpd="sng" algn="ctr">
+          <a:solidFill>
+            <a:schemeClr val="lt1">
+              <a:alpha val="0"/>
+              <a:hueOff val="0"/>
+              <a:satOff val="0"/>
+              <a:lumOff val="0"/>
+              <a:alphaOff val="0"/>
+            </a:schemeClr>
+          </a:solidFill>
+          <a:prstDash val="solid"/>
+          <a:miter lim="800000"/>
+        </a:ln>
+        <a:effectLst/>
+      </dsp:spPr>
+      <dsp:style>
+        <a:lnRef idx="2">
+          <a:scrgbClr r="0" g="0" b="0"/>
+        </a:lnRef>
+        <a:fillRef idx="1">
+          <a:scrgbClr r="0" g="0" b="0"/>
+        </a:fillRef>
+        <a:effectRef idx="0">
+          <a:scrgbClr r="0" g="0" b="0"/>
+        </a:effectRef>
+        <a:fontRef idx="minor">
+          <a:schemeClr val="lt1"/>
+        </a:fontRef>
+      </dsp:style>
+    </dsp:sp>
+    <dsp:sp modelId="{98977CA0-A02E-4F74-AF50-48FA3DB83500}">
+      <dsp:nvSpPr>
+        <dsp:cNvPr id="0" name=""/>
+        <dsp:cNvSpPr/>
+      </dsp:nvSpPr>
+      <dsp:spPr>
+        <a:xfrm>
+          <a:off x="4172863" y="1920408"/>
+          <a:ext cx="1773632" cy="709453"/>
+        </a:xfrm>
+        <a:prstGeom prst="rect">
+          <a:avLst/>
+        </a:prstGeom>
+        <a:noFill/>
+        <a:ln>
+          <a:noFill/>
+        </a:ln>
+        <a:effectLst/>
+      </dsp:spPr>
+      <dsp:style>
+        <a:lnRef idx="0">
+          <a:scrgbClr r="0" g="0" b="0"/>
+        </a:lnRef>
+        <a:fillRef idx="0">
+          <a:scrgbClr r="0" g="0" b="0"/>
+        </a:fillRef>
+        <a:effectRef idx="0">
+          <a:scrgbClr r="0" g="0" b="0"/>
+        </a:effectRef>
+        <a:fontRef idx="minor"/>
+      </dsp:style>
+      <dsp:txBody>
+        <a:bodyPr spcFirstLastPara="0" vert="horz" wrap="square" lIns="0" tIns="0" rIns="0" bIns="0" numCol="1" spcCol="1270" anchor="t" anchorCtr="0">
+          <a:noAutofit/>
+        </a:bodyPr>
+        <a:lstStyle/>
+        <a:p>
+          <a:pPr marL="0" lvl="0" indent="0" algn="ctr" defTabSz="800100">
+            <a:lnSpc>
+              <a:spcPct val="100000"/>
+            </a:lnSpc>
+            <a:spcBef>
+              <a:spcPct val="0"/>
+            </a:spcBef>
+            <a:spcAft>
+              <a:spcPct val="35000"/>
+            </a:spcAft>
+            <a:buNone/>
+            <a:defRPr cap="all"/>
+          </a:pPr>
+          <a:r>
+            <a:rPr lang="en-US" sz="1800" kern="1200" dirty="0"/>
+            <a:t>Review the project</a:t>
+          </a:r>
+        </a:p>
+      </dsp:txBody>
+      <dsp:txXfrm>
+        <a:off x="4172863" y="1920408"/>
+        <a:ext cx="1773632" cy="709453"/>
+      </dsp:txXfrm>
+    </dsp:sp>
+    <dsp:sp modelId="{66E7D919-FA99-4B24-BE1F-21B293087DF5}">
+      <dsp:nvSpPr>
+        <dsp:cNvPr id="0" name=""/>
+        <dsp:cNvSpPr/>
+      </dsp:nvSpPr>
+      <dsp:spPr>
+        <a:xfrm>
+          <a:off x="6602740" y="501502"/>
+          <a:ext cx="1081916" cy="1081916"/>
+        </a:xfrm>
+        <a:prstGeom prst="round2DiagRect">
+          <a:avLst>
+            <a:gd name="adj1" fmla="val 29727"/>
+            <a:gd name="adj2" fmla="val 0"/>
+          </a:avLst>
+        </a:prstGeom>
+        <a:solidFill>
+          <a:schemeClr val="accent5">
+            <a:hueOff val="0"/>
+            <a:satOff val="0"/>
+            <a:lumOff val="0"/>
+            <a:alphaOff val="0"/>
+          </a:schemeClr>
+        </a:solidFill>
+        <a:ln>
+          <a:noFill/>
+        </a:ln>
+        <a:effectLst/>
+      </dsp:spPr>
+      <dsp:style>
+        <a:lnRef idx="0">
+          <a:scrgbClr r="0" g="0" b="0"/>
+        </a:lnRef>
+        <a:fillRef idx="1">
+          <a:scrgbClr r="0" g="0" b="0"/>
+        </a:fillRef>
+        <a:effectRef idx="0">
+          <a:scrgbClr r="0" g="0" b="0"/>
+        </a:effectRef>
+        <a:fontRef idx="minor"/>
+      </dsp:style>
+    </dsp:sp>
+    <dsp:sp modelId="{9D72FC78-C377-4C25-89A3-CCB4C2E5D05F}">
+      <dsp:nvSpPr>
+        <dsp:cNvPr id="0" name=""/>
+        <dsp:cNvSpPr/>
+      </dsp:nvSpPr>
+      <dsp:spPr>
+        <a:xfrm>
+          <a:off x="6833312" y="732074"/>
+          <a:ext cx="620771" cy="620771"/>
+        </a:xfrm>
+        <a:prstGeom prst="rect">
+          <a:avLst/>
+        </a:prstGeom>
+        <a:solidFill>
+          <a:schemeClr val="bg1">
+            <a:hueOff val="0"/>
+            <a:satOff val="0"/>
+            <a:lumOff val="0"/>
+            <a:alphaOff val="0"/>
+          </a:schemeClr>
+        </a:solidFill>
+        <a:ln w="12700" cap="flat" cmpd="sng" algn="ctr">
+          <a:solidFill>
+            <a:schemeClr val="lt1">
+              <a:alpha val="0"/>
+              <a:hueOff val="0"/>
+              <a:satOff val="0"/>
+              <a:lumOff val="0"/>
+              <a:alphaOff val="0"/>
+            </a:schemeClr>
+          </a:solidFill>
+          <a:prstDash val="solid"/>
+          <a:miter lim="800000"/>
+        </a:ln>
+        <a:effectLst/>
+      </dsp:spPr>
+      <dsp:style>
+        <a:lnRef idx="2">
+          <a:scrgbClr r="0" g="0" b="0"/>
+        </a:lnRef>
+        <a:fillRef idx="1">
+          <a:scrgbClr r="0" g="0" b="0"/>
+        </a:fillRef>
+        <a:effectRef idx="0">
+          <a:scrgbClr r="0" g="0" b="0"/>
+        </a:effectRef>
+        <a:fontRef idx="minor">
+          <a:schemeClr val="lt1"/>
+        </a:fontRef>
+      </dsp:style>
+    </dsp:sp>
+    <dsp:sp modelId="{AC8244A1-D8FF-454A-A2D1-AB92A6B250C7}">
+      <dsp:nvSpPr>
+        <dsp:cNvPr id="0" name=""/>
+        <dsp:cNvSpPr/>
+      </dsp:nvSpPr>
+      <dsp:spPr>
+        <a:xfrm>
+          <a:off x="6256882" y="1920408"/>
+          <a:ext cx="1773632" cy="709453"/>
+        </a:xfrm>
+        <a:prstGeom prst="rect">
+          <a:avLst/>
+        </a:prstGeom>
+        <a:noFill/>
+        <a:ln>
+          <a:noFill/>
+        </a:ln>
+        <a:effectLst/>
+      </dsp:spPr>
+      <dsp:style>
+        <a:lnRef idx="0">
+          <a:scrgbClr r="0" g="0" b="0"/>
+        </a:lnRef>
+        <a:fillRef idx="0">
+          <a:scrgbClr r="0" g="0" b="0"/>
+        </a:fillRef>
+        <a:effectRef idx="0">
+          <a:scrgbClr r="0" g="0" b="0"/>
+        </a:effectRef>
+        <a:fontRef idx="minor"/>
+      </dsp:style>
+      <dsp:txBody>
+        <a:bodyPr spcFirstLastPara="0" vert="horz" wrap="square" lIns="0" tIns="0" rIns="0" bIns="0" numCol="1" spcCol="1270" anchor="t" anchorCtr="0">
+          <a:noAutofit/>
+        </a:bodyPr>
+        <a:lstStyle/>
+        <a:p>
+          <a:pPr marL="0" lvl="0" indent="0" algn="ctr" defTabSz="800100">
+            <a:lnSpc>
+              <a:spcPct val="100000"/>
+            </a:lnSpc>
+            <a:spcBef>
+              <a:spcPct val="0"/>
+            </a:spcBef>
+            <a:spcAft>
+              <a:spcPct val="35000"/>
+            </a:spcAft>
+            <a:buNone/>
+            <a:defRPr cap="all"/>
+          </a:pPr>
+          <a:r>
+            <a:rPr lang="en-US" sz="1800" kern="1200" dirty="0"/>
+            <a:t>Connect </a:t>
+          </a:r>
+          <a:r>
+            <a:rPr lang="en-US" sz="1800" kern="1200" dirty="0" err="1"/>
+            <a:t>Serilog</a:t>
+          </a:r>
+          <a:endParaRPr lang="en-US" sz="1800" kern="1200" dirty="0"/>
+        </a:p>
+      </dsp:txBody>
+      <dsp:txXfrm>
+        <a:off x="6256882" y="1920408"/>
+        <a:ext cx="1773632" cy="709453"/>
+      </dsp:txXfrm>
+    </dsp:sp>
+    <dsp:sp modelId="{85C1BA42-520D-414C-AB71-078701303247}">
+      <dsp:nvSpPr>
+        <dsp:cNvPr id="0" name=""/>
+        <dsp:cNvSpPr/>
+      </dsp:nvSpPr>
+      <dsp:spPr>
+        <a:xfrm>
+          <a:off x="8686759" y="501502"/>
+          <a:ext cx="1081916" cy="1081916"/>
+        </a:xfrm>
+        <a:prstGeom prst="round2DiagRect">
+          <a:avLst>
+            <a:gd name="adj1" fmla="val 29727"/>
+            <a:gd name="adj2" fmla="val 0"/>
+          </a:avLst>
+        </a:prstGeom>
+        <a:solidFill>
+          <a:schemeClr val="accent6">
+            <a:hueOff val="0"/>
+            <a:satOff val="0"/>
+            <a:lumOff val="0"/>
+            <a:alphaOff val="0"/>
+          </a:schemeClr>
+        </a:solidFill>
+        <a:ln>
+          <a:noFill/>
+        </a:ln>
+        <a:effectLst/>
+      </dsp:spPr>
+      <dsp:style>
+        <a:lnRef idx="0">
+          <a:scrgbClr r="0" g="0" b="0"/>
+        </a:lnRef>
+        <a:fillRef idx="1">
+          <a:scrgbClr r="0" g="0" b="0"/>
+        </a:fillRef>
+        <a:effectRef idx="0">
+          <a:scrgbClr r="0" g="0" b="0"/>
+        </a:effectRef>
+        <a:fontRef idx="minor"/>
+      </dsp:style>
+    </dsp:sp>
+    <dsp:sp modelId="{36045B5B-69F0-4385-9B43-1256995D5EEC}">
+      <dsp:nvSpPr>
+        <dsp:cNvPr id="0" name=""/>
+        <dsp:cNvSpPr/>
+      </dsp:nvSpPr>
+      <dsp:spPr>
+        <a:xfrm>
+          <a:off x="8917331" y="732074"/>
+          <a:ext cx="620771" cy="620771"/>
+        </a:xfrm>
+        <a:prstGeom prst="rect">
+          <a:avLst/>
+        </a:prstGeom>
+        <a:blipFill>
+          <a:blip xmlns:r="http://schemas.openxmlformats.org/officeDocument/2006/relationships" r:embed="rId7">
+            <a:extLst>
+              <a:ext uri="{28A0092B-C50C-407E-A947-70E740481C1C}">
+                <a14:useLocalDpi xmlns:a14="http://schemas.microsoft.com/office/drawing/2010/main" val="0"/>
+              </a:ext>
+              <a:ext uri="{96DAC541-7B7A-43D3-8B79-37D633B846F1}">
+                <asvg:svgBlip xmlns:asvg="http://schemas.microsoft.com/office/drawing/2016/SVG/main" r:embed="rId8"/>
+              </a:ext>
+            </a:extLst>
+          </a:blip>
+          <a:stretch>
+            <a:fillRect/>
+          </a:stretch>
+        </a:blipFill>
+        <a:ln w="12700" cap="flat" cmpd="sng" algn="ctr">
+          <a:solidFill>
+            <a:schemeClr val="lt1">
+              <a:alpha val="0"/>
+              <a:hueOff val="0"/>
+              <a:satOff val="0"/>
+              <a:lumOff val="0"/>
+              <a:alphaOff val="0"/>
+            </a:schemeClr>
+          </a:solidFill>
+          <a:prstDash val="solid"/>
+          <a:miter lim="800000"/>
+        </a:ln>
+        <a:effectLst/>
+      </dsp:spPr>
+      <dsp:style>
+        <a:lnRef idx="2">
+          <a:scrgbClr r="0" g="0" b="0"/>
+        </a:lnRef>
+        <a:fillRef idx="1">
+          <a:scrgbClr r="0" g="0" b="0"/>
+        </a:fillRef>
+        <a:effectRef idx="0">
+          <a:scrgbClr r="0" g="0" b="0"/>
+        </a:effectRef>
+        <a:fontRef idx="minor">
+          <a:schemeClr val="lt1"/>
+        </a:fontRef>
+      </dsp:style>
+    </dsp:sp>
+    <dsp:sp modelId="{B84C6101-962C-4396-B566-C59AE61A4BFA}">
+      <dsp:nvSpPr>
+        <dsp:cNvPr id="0" name=""/>
+        <dsp:cNvSpPr/>
+      </dsp:nvSpPr>
+      <dsp:spPr>
+        <a:xfrm>
+          <a:off x="8340900" y="1920408"/>
+          <a:ext cx="1773632" cy="709453"/>
+        </a:xfrm>
+        <a:prstGeom prst="rect">
+          <a:avLst/>
+        </a:prstGeom>
+        <a:noFill/>
+        <a:ln>
+          <a:noFill/>
+        </a:ln>
+        <a:effectLst/>
+      </dsp:spPr>
+      <dsp:style>
+        <a:lnRef idx="0">
+          <a:scrgbClr r="0" g="0" b="0"/>
+        </a:lnRef>
+        <a:fillRef idx="0">
+          <a:scrgbClr r="0" g="0" b="0"/>
+        </a:fillRef>
+        <a:effectRef idx="0">
+          <a:scrgbClr r="0" g="0" b="0"/>
+        </a:effectRef>
+        <a:fontRef idx="minor"/>
+      </dsp:style>
+      <dsp:txBody>
+        <a:bodyPr spcFirstLastPara="0" vert="horz" wrap="square" lIns="0" tIns="0" rIns="0" bIns="0" numCol="1" spcCol="1270" anchor="t" anchorCtr="0">
+          <a:noAutofit/>
+        </a:bodyPr>
+        <a:lstStyle/>
+        <a:p>
+          <a:pPr marL="0" lvl="0" indent="0" algn="ctr" defTabSz="800100">
+            <a:lnSpc>
+              <a:spcPct val="100000"/>
+            </a:lnSpc>
+            <a:spcBef>
+              <a:spcPct val="0"/>
+            </a:spcBef>
+            <a:spcAft>
+              <a:spcPct val="35000"/>
+            </a:spcAft>
+            <a:buNone/>
+            <a:defRPr cap="all"/>
+          </a:pPr>
+          <a:r>
+            <a:rPr lang="es-419" sz="1800" kern="1200" dirty="0"/>
+            <a:t>Run and Test</a:t>
+          </a:r>
+          <a:endParaRPr lang="en-US" sz="1800" kern="1200" dirty="0"/>
+        </a:p>
+      </dsp:txBody>
+      <dsp:txXfrm>
+        <a:off x="8340900" y="1920408"/>
+        <a:ext cx="1773632" cy="709453"/>
+      </dsp:txXfrm>
+    </dsp:sp>
+  </dsp:spTree>
+</dsp:drawing>
+</file>
+
+<file path=ppt/diagrams/drawing2.xml><?xml version="1.0" encoding="utf-8"?>
+<dsp:drawing xmlns:dgm="http://schemas.openxmlformats.org/drawingml/2006/diagram" xmlns:dsp="http://schemas.microsoft.com/office/drawing/2008/diagram" xmlns:a="http://schemas.openxmlformats.org/drawingml/2006/main">
+  <dsp:spTree>
+    <dsp:nvGrpSpPr>
+      <dsp:cNvPr id="0" name=""/>
+      <dsp:cNvGrpSpPr/>
+    </dsp:nvGrpSpPr>
+    <dsp:grpSpPr/>
+    <dsp:sp modelId="{22BB12DE-639B-4C19-9139-CFA793C4DC41}">
       <dsp:nvSpPr>
         <dsp:cNvPr id="0" name=""/>
         <dsp:cNvSpPr/>
@@ -2879,7 +3868,7 @@
         <a:fontRef idx="minor"/>
       </dsp:style>
     </dsp:sp>
-    <dsp:sp modelId="{2A4FD15B-78F9-46D5-BA91-3D38793010BC}">
+    <dsp:sp modelId="{6C6FBEC4-1A51-483E-953A-539BC85DF366}">
       <dsp:nvSpPr>
         <dsp:cNvPr id="0" name=""/>
         <dsp:cNvSpPr/>
@@ -2892,23 +3881,24 @@
         <a:prstGeom prst="rect">
           <a:avLst/>
         </a:prstGeom>
-        <a:blipFill>
-          <a:blip xmlns:r="http://schemas.openxmlformats.org/officeDocument/2006/relationships" r:embed="rId1">
-            <a:extLst>
-              <a:ext uri="{28A0092B-C50C-407E-A947-70E740481C1C}">
-                <a14:useLocalDpi xmlns:a14="http://schemas.microsoft.com/office/drawing/2010/main" val="0"/>
-              </a:ext>
-              <a:ext uri="{96DAC541-7B7A-43D3-8B79-37D633B846F1}">
-                <asvg:svgBlip xmlns:asvg="http://schemas.microsoft.com/office/drawing/2016/SVG/main" r:embed="rId2"/>
-              </a:ext>
-            </a:extLst>
-          </a:blip>
-          <a:stretch>
-            <a:fillRect/>
-          </a:stretch>
-        </a:blipFill>
+        <a:solidFill>
+          <a:schemeClr val="bg1">
+            <a:hueOff val="0"/>
+            <a:satOff val="0"/>
+            <a:lumOff val="0"/>
+            <a:alphaOff val="0"/>
+          </a:schemeClr>
+        </a:solidFill>
         <a:ln w="12700" cap="flat" cmpd="sng" algn="ctr">
-          <a:noFill/>
+          <a:solidFill>
+            <a:schemeClr val="lt1">
+              <a:alpha val="0"/>
+              <a:hueOff val="0"/>
+              <a:satOff val="0"/>
+              <a:lumOff val="0"/>
+              <a:alphaOff val="0"/>
+            </a:schemeClr>
+          </a:solidFill>
           <a:prstDash val="solid"/>
           <a:miter lim="800000"/>
         </a:ln>
@@ -2929,7 +3919,7 @@
         </a:fontRef>
       </dsp:style>
     </dsp:sp>
-    <dsp:sp modelId="{6D185A66-A78E-46F7-B3F0-66BAD9855B22}">
+    <dsp:sp modelId="{9B4C97D2-24B0-4EB1-A372-E4E1DD82AD35}">
       <dsp:nvSpPr>
         <dsp:cNvPr id="0" name=""/>
         <dsp:cNvSpPr/>
@@ -2981,7 +3971,15 @@
           </a:pPr>
           <a:r>
             <a:rPr lang="en-US" sz="2100" kern="1200" dirty="0"/>
-            <a:t>Prepare SQL structure</a:t>
+            <a:t>Connect </a:t>
+          </a:r>
+          <a:r>
+            <a:rPr lang="en-US" sz="2100" kern="1200" dirty="0" err="1"/>
+            <a:t>serilog</a:t>
+          </a:r>
+          <a:r>
+            <a:rPr lang="en-US" sz="2100" kern="1200" dirty="0"/>
+            <a:t> to elastic</a:t>
           </a:r>
         </a:p>
       </dsp:txBody>
@@ -2990,7 +3988,7 @@
         <a:ext cx="2059980" cy="720000"/>
       </dsp:txXfrm>
     </dsp:sp>
-    <dsp:sp modelId="{C21F8DAF-C312-4491-9730-BCB6DE445814}">
+    <dsp:sp modelId="{D1C5972D-47F7-4D66-AC45-AAEAE2065E6F}">
       <dsp:nvSpPr>
         <dsp:cNvPr id="0" name=""/>
         <dsp:cNvSpPr/>
@@ -3032,7 +4030,7 @@
         <a:fontRef idx="minor"/>
       </dsp:style>
     </dsp:sp>
-    <dsp:sp modelId="{7DFECB98-D6E0-451B-9264-C54334352442}">
+    <dsp:sp modelId="{00E6B01C-D160-4537-BBD9-F64DA9F472F9}">
       <dsp:nvSpPr>
         <dsp:cNvPr id="0" name=""/>
         <dsp:cNvSpPr/>
@@ -3046,13 +4044,13 @@
           <a:avLst/>
         </a:prstGeom>
         <a:blipFill>
-          <a:blip xmlns:r="http://schemas.openxmlformats.org/officeDocument/2006/relationships" r:embed="rId3">
+          <a:blip xmlns:r="http://schemas.openxmlformats.org/officeDocument/2006/relationships" r:embed="rId1">
             <a:extLst>
               <a:ext uri="{28A0092B-C50C-407E-A947-70E740481C1C}">
                 <a14:useLocalDpi xmlns:a14="http://schemas.microsoft.com/office/drawing/2010/main" val="0"/>
               </a:ext>
               <a:ext uri="{96DAC541-7B7A-43D3-8B79-37D633B846F1}">
-                <asvg:svgBlip xmlns:asvg="http://schemas.microsoft.com/office/drawing/2016/SVG/main" r:embed="rId4"/>
+                <asvg:svgBlip xmlns:asvg="http://schemas.microsoft.com/office/drawing/2016/SVG/main" r:embed="rId2"/>
               </a:ext>
             </a:extLst>
           </a:blip>
@@ -3082,7 +4080,7 @@
         </a:fontRef>
       </dsp:style>
     </dsp:sp>
-    <dsp:sp modelId="{E78360BE-580A-41F0-B2AE-4D07183810A6}">
+    <dsp:sp modelId="{F11757CC-C62E-4578-812A-6882B4977DB4}">
       <dsp:nvSpPr>
         <dsp:cNvPr id="0" name=""/>
         <dsp:cNvSpPr/>
@@ -3133,9 +4131,22 @@
             <a:defRPr cap="all"/>
           </a:pPr>
           <a:r>
-            <a:rPr lang="en-US" sz="2100" kern="1200" dirty="0"/>
-            <a:t>Download the Example Project</a:t>
+            <a:rPr lang="es-419" sz="2100" kern="1200" dirty="0" err="1"/>
+            <a:t>Execute</a:t>
           </a:r>
+          <a:r>
+            <a:rPr lang="es-419" sz="2100" kern="1200" dirty="0"/>
+            <a:t> </a:t>
+          </a:r>
+          <a:r>
+            <a:rPr lang="es-419" sz="2100" kern="1200" dirty="0" err="1"/>
+            <a:t>the</a:t>
+          </a:r>
+          <a:r>
+            <a:rPr lang="es-419" sz="2100" kern="1200" dirty="0"/>
+            <a:t> server</a:t>
+          </a:r>
+          <a:endParaRPr lang="en-US" sz="2100" kern="1200" dirty="0"/>
         </a:p>
       </dsp:txBody>
       <dsp:txXfrm>
@@ -3143,7 +4154,7 @@
         <a:ext cx="2059980" cy="720000"/>
       </dsp:txXfrm>
     </dsp:sp>
-    <dsp:sp modelId="{CD812C02-CEAD-4250-9629-183B1CE31F79}">
+    <dsp:sp modelId="{6F19D8E3-6503-4910-83A9-EB6829AB39CA}">
       <dsp:nvSpPr>
         <dsp:cNvPr id="0" name=""/>
         <dsp:cNvSpPr/>
@@ -3185,7 +4196,7 @@
         <a:fontRef idx="minor"/>
       </dsp:style>
     </dsp:sp>
-    <dsp:sp modelId="{92982A30-709F-4AA5-830C-A829DC81828D}">
+    <dsp:sp modelId="{468A5F56-9DC0-41A0-910F-B4431DD13FCA}">
       <dsp:nvSpPr>
         <dsp:cNvPr id="0" name=""/>
         <dsp:cNvSpPr/>
@@ -3199,13 +4210,13 @@
           <a:avLst/>
         </a:prstGeom>
         <a:blipFill>
-          <a:blip xmlns:r="http://schemas.openxmlformats.org/officeDocument/2006/relationships" r:embed="rId5">
+          <a:blip xmlns:r="http://schemas.openxmlformats.org/officeDocument/2006/relationships" r:embed="rId3">
             <a:extLst>
               <a:ext uri="{28A0092B-C50C-407E-A947-70E740481C1C}">
                 <a14:useLocalDpi xmlns:a14="http://schemas.microsoft.com/office/drawing/2010/main" val="0"/>
               </a:ext>
               <a:ext uri="{96DAC541-7B7A-43D3-8B79-37D633B846F1}">
-                <asvg:svgBlip xmlns:asvg="http://schemas.microsoft.com/office/drawing/2016/SVG/main" r:embed="rId6"/>
+                <asvg:svgBlip xmlns:asvg="http://schemas.microsoft.com/office/drawing/2016/SVG/main" r:embed="rId4"/>
               </a:ext>
             </a:extLst>
           </a:blip>
@@ -3235,7 +4246,7 @@
         </a:fontRef>
       </dsp:style>
     </dsp:sp>
-    <dsp:sp modelId="{98977CA0-A02E-4F74-AF50-48FA3DB83500}">
+    <dsp:sp modelId="{3552D663-C7B3-44F9-8C48-717112183B69}">
       <dsp:nvSpPr>
         <dsp:cNvPr id="0" name=""/>
         <dsp:cNvSpPr/>
@@ -3286,9 +4297,26 @@
             <a:defRPr cap="all"/>
           </a:pPr>
           <a:r>
-            <a:rPr lang="en-US" sz="2100" kern="1200" dirty="0"/>
-            <a:t>Review the project</a:t>
+            <a:rPr lang="es-419" sz="2100" kern="1200" dirty="0" err="1"/>
+            <a:t>Create</a:t>
           </a:r>
+          <a:r>
+            <a:rPr lang="es-419" sz="2100" kern="1200" dirty="0"/>
+            <a:t> </a:t>
+          </a:r>
+          <a:r>
+            <a:rPr lang="es-419" sz="2100" kern="1200" dirty="0" err="1"/>
+            <a:t>the</a:t>
+          </a:r>
+          <a:r>
+            <a:rPr lang="es-419" sz="2100" kern="1200" dirty="0"/>
+            <a:t> </a:t>
+          </a:r>
+          <a:r>
+            <a:rPr lang="es-419" sz="2100" kern="1200" dirty="0" err="1"/>
+            <a:t>dashboard</a:t>
+          </a:r>
+          <a:endParaRPr lang="en-US" sz="2100" kern="1200" dirty="0"/>
         </a:p>
       </dsp:txBody>
       <dsp:txXfrm>
@@ -3296,7 +4324,7 @@
         <a:ext cx="2059980" cy="720000"/>
       </dsp:txXfrm>
     </dsp:sp>
-    <dsp:sp modelId="{85C1BA42-520D-414C-AB71-078701303247}">
+    <dsp:sp modelId="{77BA3B8C-1298-4DE1-9DD9-0FD9663EB6D3}">
       <dsp:nvSpPr>
         <dsp:cNvPr id="0" name=""/>
         <dsp:cNvSpPr/>
@@ -3338,7 +4366,7 @@
         <a:fontRef idx="minor"/>
       </dsp:style>
     </dsp:sp>
-    <dsp:sp modelId="{36045B5B-69F0-4385-9B43-1256995D5EEC}">
+    <dsp:sp modelId="{833FEDEA-5934-449A-8734-432B07584A3D}">
       <dsp:nvSpPr>
         <dsp:cNvPr id="0" name=""/>
         <dsp:cNvSpPr/>
@@ -3352,13 +4380,13 @@
           <a:avLst/>
         </a:prstGeom>
         <a:blipFill>
-          <a:blip xmlns:r="http://schemas.openxmlformats.org/officeDocument/2006/relationships" r:embed="rId7">
+          <a:blip xmlns:r="http://schemas.openxmlformats.org/officeDocument/2006/relationships" r:embed="rId5">
             <a:extLst>
               <a:ext uri="{28A0092B-C50C-407E-A947-70E740481C1C}">
                 <a14:useLocalDpi xmlns:a14="http://schemas.microsoft.com/office/drawing/2010/main" val="0"/>
               </a:ext>
               <a:ext uri="{96DAC541-7B7A-43D3-8B79-37D633B846F1}">
-                <asvg:svgBlip xmlns:asvg="http://schemas.microsoft.com/office/drawing/2016/SVG/main" r:embed="rId8"/>
+                <asvg:svgBlip xmlns:asvg="http://schemas.microsoft.com/office/drawing/2016/SVG/main" r:embed="rId6"/>
               </a:ext>
             </a:extLst>
           </a:blip>
@@ -3388,7 +4416,7 @@
         </a:fontRef>
       </dsp:style>
     </dsp:sp>
-    <dsp:sp modelId="{B84C6101-962C-4396-B566-C59AE61A4BFA}">
+    <dsp:sp modelId="{7CBB3D33-863B-46B2-A7A6-8B1CC7325F85}">
       <dsp:nvSpPr>
         <dsp:cNvPr id="0" name=""/>
         <dsp:cNvSpPr/>
@@ -3439,8 +4467,12 @@
             <a:defRPr cap="all"/>
           </a:pPr>
           <a:r>
+            <a:rPr lang="es-419" sz="2100" kern="1200" dirty="0" err="1"/>
+            <a:t>Enjoy</a:t>
+          </a:r>
+          <a:r>
             <a:rPr lang="es-419" sz="2100" kern="1200" dirty="0"/>
-            <a:t>Run and Test</a:t>
+            <a:t> !!</a:t>
           </a:r>
           <a:endParaRPr lang="en-US" sz="2100" kern="1200" dirty="0"/>
         </a:p>
@@ -3448,512 +4480,6 @@
       <dsp:txXfrm>
         <a:off x="7660404" y="2029674"/>
         <a:ext cx="2059980" cy="720000"/>
-      </dsp:txXfrm>
-    </dsp:sp>
-  </dsp:spTree>
-</dsp:drawing>
-</file>
-
-<file path=ppt/diagrams/drawing2.xml><?xml version="1.0" encoding="utf-8"?>
-<dsp:drawing xmlns:dgm="http://schemas.openxmlformats.org/drawingml/2006/diagram" xmlns:dsp="http://schemas.microsoft.com/office/drawing/2008/diagram" xmlns:a="http://schemas.openxmlformats.org/drawingml/2006/main">
-  <dsp:spTree>
-    <dsp:nvGrpSpPr>
-      <dsp:cNvPr id="0" name=""/>
-      <dsp:cNvGrpSpPr/>
-    </dsp:nvGrpSpPr>
-    <dsp:grpSpPr/>
-    <dsp:sp modelId="{D1C5972D-47F7-4D66-AC45-AAEAE2065E6F}">
-      <dsp:nvSpPr>
-        <dsp:cNvPr id="0" name=""/>
-        <dsp:cNvSpPr/>
-      </dsp:nvSpPr>
-      <dsp:spPr>
-        <a:xfrm>
-          <a:off x="647429" y="13181"/>
-          <a:ext cx="1818562" cy="1818562"/>
-        </a:xfrm>
-        <a:prstGeom prst="round2DiagRect">
-          <a:avLst>
-            <a:gd name="adj1" fmla="val 29727"/>
-            <a:gd name="adj2" fmla="val 0"/>
-          </a:avLst>
-        </a:prstGeom>
-        <a:solidFill>
-          <a:schemeClr val="accent2">
-            <a:hueOff val="0"/>
-            <a:satOff val="0"/>
-            <a:lumOff val="0"/>
-            <a:alphaOff val="0"/>
-          </a:schemeClr>
-        </a:solidFill>
-        <a:ln>
-          <a:noFill/>
-        </a:ln>
-        <a:effectLst/>
-      </dsp:spPr>
-      <dsp:style>
-        <a:lnRef idx="0">
-          <a:scrgbClr r="0" g="0" b="0"/>
-        </a:lnRef>
-        <a:fillRef idx="1">
-          <a:scrgbClr r="0" g="0" b="0"/>
-        </a:fillRef>
-        <a:effectRef idx="0">
-          <a:scrgbClr r="0" g="0" b="0"/>
-        </a:effectRef>
-        <a:fontRef idx="minor"/>
-      </dsp:style>
-    </dsp:sp>
-    <dsp:sp modelId="{00E6B01C-D160-4537-BBD9-F64DA9F472F9}">
-      <dsp:nvSpPr>
-        <dsp:cNvPr id="0" name=""/>
-        <dsp:cNvSpPr/>
-      </dsp:nvSpPr>
-      <dsp:spPr>
-        <a:xfrm>
-          <a:off x="1034992" y="400744"/>
-          <a:ext cx="1043437" cy="1043437"/>
-        </a:xfrm>
-        <a:prstGeom prst="rect">
-          <a:avLst/>
-        </a:prstGeom>
-        <a:blipFill>
-          <a:blip xmlns:r="http://schemas.openxmlformats.org/officeDocument/2006/relationships" r:embed="rId1">
-            <a:extLst>
-              <a:ext uri="{28A0092B-C50C-407E-A947-70E740481C1C}">
-                <a14:useLocalDpi xmlns:a14="http://schemas.microsoft.com/office/drawing/2010/main" val="0"/>
-              </a:ext>
-              <a:ext uri="{96DAC541-7B7A-43D3-8B79-37D633B846F1}">
-                <asvg:svgBlip xmlns:asvg="http://schemas.microsoft.com/office/drawing/2016/SVG/main" r:embed="rId2"/>
-              </a:ext>
-            </a:extLst>
-          </a:blip>
-          <a:stretch>
-            <a:fillRect/>
-          </a:stretch>
-        </a:blipFill>
-        <a:ln w="12700" cap="flat" cmpd="sng" algn="ctr">
-          <a:noFill/>
-          <a:prstDash val="solid"/>
-          <a:miter lim="800000"/>
-        </a:ln>
-        <a:effectLst/>
-      </dsp:spPr>
-      <dsp:style>
-        <a:lnRef idx="2">
-          <a:scrgbClr r="0" g="0" b="0"/>
-        </a:lnRef>
-        <a:fillRef idx="1">
-          <a:scrgbClr r="0" g="0" b="0"/>
-        </a:fillRef>
-        <a:effectRef idx="0">
-          <a:scrgbClr r="0" g="0" b="0"/>
-        </a:effectRef>
-        <a:fontRef idx="minor">
-          <a:schemeClr val="lt1"/>
-        </a:fontRef>
-      </dsp:style>
-    </dsp:sp>
-    <dsp:sp modelId="{F11757CC-C62E-4578-812A-6882B4977DB4}">
-      <dsp:nvSpPr>
-        <dsp:cNvPr id="0" name=""/>
-        <dsp:cNvSpPr/>
-      </dsp:nvSpPr>
-      <dsp:spPr>
-        <a:xfrm>
-          <a:off x="66086" y="2398182"/>
-          <a:ext cx="2981250" cy="720000"/>
-        </a:xfrm>
-        <a:prstGeom prst="rect">
-          <a:avLst/>
-        </a:prstGeom>
-        <a:noFill/>
-        <a:ln>
-          <a:noFill/>
-        </a:ln>
-        <a:effectLst/>
-      </dsp:spPr>
-      <dsp:style>
-        <a:lnRef idx="0">
-          <a:scrgbClr r="0" g="0" b="0"/>
-        </a:lnRef>
-        <a:fillRef idx="0">
-          <a:scrgbClr r="0" g="0" b="0"/>
-        </a:fillRef>
-        <a:effectRef idx="0">
-          <a:scrgbClr r="0" g="0" b="0"/>
-        </a:effectRef>
-        <a:fontRef idx="minor"/>
-      </dsp:style>
-      <dsp:txBody>
-        <a:bodyPr spcFirstLastPara="0" vert="horz" wrap="square" lIns="0" tIns="0" rIns="0" bIns="0" numCol="1" spcCol="1270" anchor="t" anchorCtr="0">
-          <a:noAutofit/>
-        </a:bodyPr>
-        <a:lstStyle/>
-        <a:p>
-          <a:pPr marL="0" lvl="0" indent="0" algn="ctr" defTabSz="1022350">
-            <a:lnSpc>
-              <a:spcPct val="100000"/>
-            </a:lnSpc>
-            <a:spcBef>
-              <a:spcPct val="0"/>
-            </a:spcBef>
-            <a:spcAft>
-              <a:spcPct val="35000"/>
-            </a:spcAft>
-            <a:buNone/>
-            <a:defRPr cap="all"/>
-          </a:pPr>
-          <a:r>
-            <a:rPr lang="es-419" sz="2300" kern="1200" dirty="0" err="1"/>
-            <a:t>Execute</a:t>
-          </a:r>
-          <a:r>
-            <a:rPr lang="es-419" sz="2300" kern="1200" dirty="0"/>
-            <a:t> </a:t>
-          </a:r>
-          <a:r>
-            <a:rPr lang="es-419" sz="2300" kern="1200" dirty="0" err="1"/>
-            <a:t>the</a:t>
-          </a:r>
-          <a:r>
-            <a:rPr lang="es-419" sz="2300" kern="1200" dirty="0"/>
-            <a:t> server</a:t>
-          </a:r>
-          <a:endParaRPr lang="en-US" sz="2300" kern="1200" dirty="0"/>
-        </a:p>
-      </dsp:txBody>
-      <dsp:txXfrm>
-        <a:off x="66086" y="2398182"/>
-        <a:ext cx="2981250" cy="720000"/>
-      </dsp:txXfrm>
-    </dsp:sp>
-    <dsp:sp modelId="{6F19D8E3-6503-4910-83A9-EB6829AB39CA}">
-      <dsp:nvSpPr>
-        <dsp:cNvPr id="0" name=""/>
-        <dsp:cNvSpPr/>
-      </dsp:nvSpPr>
-      <dsp:spPr>
-        <a:xfrm>
-          <a:off x="4150398" y="13181"/>
-          <a:ext cx="1818562" cy="1818562"/>
-        </a:xfrm>
-        <a:prstGeom prst="round2DiagRect">
-          <a:avLst>
-            <a:gd name="adj1" fmla="val 29727"/>
-            <a:gd name="adj2" fmla="val 0"/>
-          </a:avLst>
-        </a:prstGeom>
-        <a:solidFill>
-          <a:schemeClr val="accent3">
-            <a:hueOff val="0"/>
-            <a:satOff val="0"/>
-            <a:lumOff val="0"/>
-            <a:alphaOff val="0"/>
-          </a:schemeClr>
-        </a:solidFill>
-        <a:ln>
-          <a:noFill/>
-        </a:ln>
-        <a:effectLst/>
-      </dsp:spPr>
-      <dsp:style>
-        <a:lnRef idx="0">
-          <a:scrgbClr r="0" g="0" b="0"/>
-        </a:lnRef>
-        <a:fillRef idx="1">
-          <a:scrgbClr r="0" g="0" b="0"/>
-        </a:fillRef>
-        <a:effectRef idx="0">
-          <a:scrgbClr r="0" g="0" b="0"/>
-        </a:effectRef>
-        <a:fontRef idx="minor"/>
-      </dsp:style>
-    </dsp:sp>
-    <dsp:sp modelId="{468A5F56-9DC0-41A0-910F-B4431DD13FCA}">
-      <dsp:nvSpPr>
-        <dsp:cNvPr id="0" name=""/>
-        <dsp:cNvSpPr/>
-      </dsp:nvSpPr>
-      <dsp:spPr>
-        <a:xfrm>
-          <a:off x="4537961" y="400744"/>
-          <a:ext cx="1043437" cy="1043437"/>
-        </a:xfrm>
-        <a:prstGeom prst="rect">
-          <a:avLst/>
-        </a:prstGeom>
-        <a:blipFill>
-          <a:blip xmlns:r="http://schemas.openxmlformats.org/officeDocument/2006/relationships" r:embed="rId3">
-            <a:extLst>
-              <a:ext uri="{28A0092B-C50C-407E-A947-70E740481C1C}">
-                <a14:useLocalDpi xmlns:a14="http://schemas.microsoft.com/office/drawing/2010/main" val="0"/>
-              </a:ext>
-              <a:ext uri="{96DAC541-7B7A-43D3-8B79-37D633B846F1}">
-                <asvg:svgBlip xmlns:asvg="http://schemas.microsoft.com/office/drawing/2016/SVG/main" r:embed="rId4"/>
-              </a:ext>
-            </a:extLst>
-          </a:blip>
-          <a:stretch>
-            <a:fillRect/>
-          </a:stretch>
-        </a:blipFill>
-        <a:ln w="12700" cap="flat" cmpd="sng" algn="ctr">
-          <a:noFill/>
-          <a:prstDash val="solid"/>
-          <a:miter lim="800000"/>
-        </a:ln>
-        <a:effectLst/>
-      </dsp:spPr>
-      <dsp:style>
-        <a:lnRef idx="2">
-          <a:scrgbClr r="0" g="0" b="0"/>
-        </a:lnRef>
-        <a:fillRef idx="1">
-          <a:scrgbClr r="0" g="0" b="0"/>
-        </a:fillRef>
-        <a:effectRef idx="0">
-          <a:scrgbClr r="0" g="0" b="0"/>
-        </a:effectRef>
-        <a:fontRef idx="minor">
-          <a:schemeClr val="lt1"/>
-        </a:fontRef>
-      </dsp:style>
-    </dsp:sp>
-    <dsp:sp modelId="{3552D663-C7B3-44F9-8C48-717112183B69}">
-      <dsp:nvSpPr>
-        <dsp:cNvPr id="0" name=""/>
-        <dsp:cNvSpPr/>
-      </dsp:nvSpPr>
-      <dsp:spPr>
-        <a:xfrm>
-          <a:off x="3569054" y="2398182"/>
-          <a:ext cx="2981250" cy="720000"/>
-        </a:xfrm>
-        <a:prstGeom prst="rect">
-          <a:avLst/>
-        </a:prstGeom>
-        <a:noFill/>
-        <a:ln>
-          <a:noFill/>
-        </a:ln>
-        <a:effectLst/>
-      </dsp:spPr>
-      <dsp:style>
-        <a:lnRef idx="0">
-          <a:scrgbClr r="0" g="0" b="0"/>
-        </a:lnRef>
-        <a:fillRef idx="0">
-          <a:scrgbClr r="0" g="0" b="0"/>
-        </a:fillRef>
-        <a:effectRef idx="0">
-          <a:scrgbClr r="0" g="0" b="0"/>
-        </a:effectRef>
-        <a:fontRef idx="minor"/>
-      </dsp:style>
-      <dsp:txBody>
-        <a:bodyPr spcFirstLastPara="0" vert="horz" wrap="square" lIns="0" tIns="0" rIns="0" bIns="0" numCol="1" spcCol="1270" anchor="t" anchorCtr="0">
-          <a:noAutofit/>
-        </a:bodyPr>
-        <a:lstStyle/>
-        <a:p>
-          <a:pPr marL="0" lvl="0" indent="0" algn="ctr" defTabSz="1022350">
-            <a:lnSpc>
-              <a:spcPct val="100000"/>
-            </a:lnSpc>
-            <a:spcBef>
-              <a:spcPct val="0"/>
-            </a:spcBef>
-            <a:spcAft>
-              <a:spcPct val="35000"/>
-            </a:spcAft>
-            <a:buNone/>
-            <a:defRPr cap="all"/>
-          </a:pPr>
-          <a:r>
-            <a:rPr lang="es-419" sz="2300" kern="1200" dirty="0" err="1"/>
-            <a:t>Create</a:t>
-          </a:r>
-          <a:r>
-            <a:rPr lang="es-419" sz="2300" kern="1200" dirty="0"/>
-            <a:t> </a:t>
-          </a:r>
-          <a:r>
-            <a:rPr lang="es-419" sz="2300" kern="1200" dirty="0" err="1"/>
-            <a:t>the</a:t>
-          </a:r>
-          <a:r>
-            <a:rPr lang="es-419" sz="2300" kern="1200" dirty="0"/>
-            <a:t> </a:t>
-          </a:r>
-          <a:r>
-            <a:rPr lang="es-419" sz="2300" kern="1200" dirty="0" err="1"/>
-            <a:t>dashboard</a:t>
-          </a:r>
-          <a:endParaRPr lang="en-US" sz="2300" kern="1200" dirty="0"/>
-        </a:p>
-      </dsp:txBody>
-      <dsp:txXfrm>
-        <a:off x="3569054" y="2398182"/>
-        <a:ext cx="2981250" cy="720000"/>
-      </dsp:txXfrm>
-    </dsp:sp>
-    <dsp:sp modelId="{77BA3B8C-1298-4DE1-9DD9-0FD9663EB6D3}">
-      <dsp:nvSpPr>
-        <dsp:cNvPr id="0" name=""/>
-        <dsp:cNvSpPr/>
-      </dsp:nvSpPr>
-      <dsp:spPr>
-        <a:xfrm>
-          <a:off x="7653367" y="13181"/>
-          <a:ext cx="1818562" cy="1818562"/>
-        </a:xfrm>
-        <a:prstGeom prst="round2DiagRect">
-          <a:avLst>
-            <a:gd name="adj1" fmla="val 29727"/>
-            <a:gd name="adj2" fmla="val 0"/>
-          </a:avLst>
-        </a:prstGeom>
-        <a:solidFill>
-          <a:schemeClr val="accent4">
-            <a:hueOff val="0"/>
-            <a:satOff val="0"/>
-            <a:lumOff val="0"/>
-            <a:alphaOff val="0"/>
-          </a:schemeClr>
-        </a:solidFill>
-        <a:ln>
-          <a:noFill/>
-        </a:ln>
-        <a:effectLst/>
-      </dsp:spPr>
-      <dsp:style>
-        <a:lnRef idx="0">
-          <a:scrgbClr r="0" g="0" b="0"/>
-        </a:lnRef>
-        <a:fillRef idx="1">
-          <a:scrgbClr r="0" g="0" b="0"/>
-        </a:fillRef>
-        <a:effectRef idx="0">
-          <a:scrgbClr r="0" g="0" b="0"/>
-        </a:effectRef>
-        <a:fontRef idx="minor"/>
-      </dsp:style>
-    </dsp:sp>
-    <dsp:sp modelId="{833FEDEA-5934-449A-8734-432B07584A3D}">
-      <dsp:nvSpPr>
-        <dsp:cNvPr id="0" name=""/>
-        <dsp:cNvSpPr/>
-      </dsp:nvSpPr>
-      <dsp:spPr>
-        <a:xfrm>
-          <a:off x="8040930" y="400744"/>
-          <a:ext cx="1043437" cy="1043437"/>
-        </a:xfrm>
-        <a:prstGeom prst="rect">
-          <a:avLst/>
-        </a:prstGeom>
-        <a:blipFill>
-          <a:blip xmlns:r="http://schemas.openxmlformats.org/officeDocument/2006/relationships" r:embed="rId5">
-            <a:extLst>
-              <a:ext uri="{28A0092B-C50C-407E-A947-70E740481C1C}">
-                <a14:useLocalDpi xmlns:a14="http://schemas.microsoft.com/office/drawing/2010/main" val="0"/>
-              </a:ext>
-              <a:ext uri="{96DAC541-7B7A-43D3-8B79-37D633B846F1}">
-                <asvg:svgBlip xmlns:asvg="http://schemas.microsoft.com/office/drawing/2016/SVG/main" r:embed="rId6"/>
-              </a:ext>
-            </a:extLst>
-          </a:blip>
-          <a:stretch>
-            <a:fillRect/>
-          </a:stretch>
-        </a:blipFill>
-        <a:ln w="12700" cap="flat" cmpd="sng" algn="ctr">
-          <a:noFill/>
-          <a:prstDash val="solid"/>
-          <a:miter lim="800000"/>
-        </a:ln>
-        <a:effectLst/>
-      </dsp:spPr>
-      <dsp:style>
-        <a:lnRef idx="2">
-          <a:scrgbClr r="0" g="0" b="0"/>
-        </a:lnRef>
-        <a:fillRef idx="1">
-          <a:scrgbClr r="0" g="0" b="0"/>
-        </a:fillRef>
-        <a:effectRef idx="0">
-          <a:scrgbClr r="0" g="0" b="0"/>
-        </a:effectRef>
-        <a:fontRef idx="minor">
-          <a:schemeClr val="lt1"/>
-        </a:fontRef>
-      </dsp:style>
-    </dsp:sp>
-    <dsp:sp modelId="{7CBB3D33-863B-46B2-A7A6-8B1CC7325F85}">
-      <dsp:nvSpPr>
-        <dsp:cNvPr id="0" name=""/>
-        <dsp:cNvSpPr/>
-      </dsp:nvSpPr>
-      <dsp:spPr>
-        <a:xfrm>
-          <a:off x="7072023" y="2398182"/>
-          <a:ext cx="2981250" cy="720000"/>
-        </a:xfrm>
-        <a:prstGeom prst="rect">
-          <a:avLst/>
-        </a:prstGeom>
-        <a:noFill/>
-        <a:ln>
-          <a:noFill/>
-        </a:ln>
-        <a:effectLst/>
-      </dsp:spPr>
-      <dsp:style>
-        <a:lnRef idx="0">
-          <a:scrgbClr r="0" g="0" b="0"/>
-        </a:lnRef>
-        <a:fillRef idx="0">
-          <a:scrgbClr r="0" g="0" b="0"/>
-        </a:fillRef>
-        <a:effectRef idx="0">
-          <a:scrgbClr r="0" g="0" b="0"/>
-        </a:effectRef>
-        <a:fontRef idx="minor"/>
-      </dsp:style>
-      <dsp:txBody>
-        <a:bodyPr spcFirstLastPara="0" vert="horz" wrap="square" lIns="0" tIns="0" rIns="0" bIns="0" numCol="1" spcCol="1270" anchor="t" anchorCtr="0">
-          <a:noAutofit/>
-        </a:bodyPr>
-        <a:lstStyle/>
-        <a:p>
-          <a:pPr marL="0" lvl="0" indent="0" algn="ctr" defTabSz="1022350">
-            <a:lnSpc>
-              <a:spcPct val="100000"/>
-            </a:lnSpc>
-            <a:spcBef>
-              <a:spcPct val="0"/>
-            </a:spcBef>
-            <a:spcAft>
-              <a:spcPct val="35000"/>
-            </a:spcAft>
-            <a:buNone/>
-            <a:defRPr cap="all"/>
-          </a:pPr>
-          <a:r>
-            <a:rPr lang="es-419" sz="2300" kern="1200" dirty="0" err="1"/>
-            <a:t>Enjoy</a:t>
-          </a:r>
-          <a:r>
-            <a:rPr lang="es-419" sz="2300" kern="1200" dirty="0"/>
-            <a:t> !!</a:t>
-          </a:r>
-          <a:endParaRPr lang="en-US" sz="2300" kern="1200" dirty="0"/>
-        </a:p>
-      </dsp:txBody>
-      <dsp:txXfrm>
-        <a:off x="7072023" y="2398182"/>
-        <a:ext cx="2981250" cy="720000"/>
       </dsp:txXfrm>
     </dsp:sp>
   </dsp:spTree>
@@ -6629,7 +7155,7 @@
           <a:p>
             <a:fld id="{B8C2ADEA-C972-4449-A45B-046BE606EF3A}" type="datetimeFigureOut">
               <a:rPr lang="en-US" smtClean="0"/>
-              <a:t>11/22/2018</a:t>
+              <a:t>12/10/2018</a:t>
             </a:fld>
             <a:endParaRPr lang="en-US"/>
           </a:p>
@@ -6683,7 +7209,7 @@
           <a:p>
             <a:fld id="{1639476D-3F43-4B7B-8B74-B201169AAEC9}" type="slidenum">
               <a:rPr lang="en-US" smtClean="0"/>
-              <a:t>‹#›</a:t>
+              <a:t>‹Nº›</a:t>
             </a:fld>
             <a:endParaRPr lang="en-US"/>
           </a:p>
@@ -6827,7 +7353,7 @@
           <a:p>
             <a:fld id="{B8C2ADEA-C972-4449-A45B-046BE606EF3A}" type="datetimeFigureOut">
               <a:rPr lang="en-US" smtClean="0"/>
-              <a:t>11/22/2018</a:t>
+              <a:t>12/10/2018</a:t>
             </a:fld>
             <a:endParaRPr lang="en-US"/>
           </a:p>
@@ -6881,7 +7407,7 @@
           <a:p>
             <a:fld id="{1639476D-3F43-4B7B-8B74-B201169AAEC9}" type="slidenum">
               <a:rPr lang="en-US" smtClean="0"/>
-              <a:t>‹#›</a:t>
+              <a:t>‹Nº›</a:t>
             </a:fld>
             <a:endParaRPr lang="en-US"/>
           </a:p>
@@ -7035,7 +7561,7 @@
           <a:p>
             <a:fld id="{B8C2ADEA-C972-4449-A45B-046BE606EF3A}" type="datetimeFigureOut">
               <a:rPr lang="en-US" smtClean="0"/>
-              <a:t>11/22/2018</a:t>
+              <a:t>12/10/2018</a:t>
             </a:fld>
             <a:endParaRPr lang="en-US"/>
           </a:p>
@@ -7089,7 +7615,7 @@
           <a:p>
             <a:fld id="{1639476D-3F43-4B7B-8B74-B201169AAEC9}" type="slidenum">
               <a:rPr lang="en-US" smtClean="0"/>
-              <a:t>‹#›</a:t>
+              <a:t>‹Nº›</a:t>
             </a:fld>
             <a:endParaRPr lang="en-US"/>
           </a:p>
@@ -7233,7 +7759,7 @@
           <a:p>
             <a:fld id="{B8C2ADEA-C972-4449-A45B-046BE606EF3A}" type="datetimeFigureOut">
               <a:rPr lang="en-US" smtClean="0"/>
-              <a:t>11/22/2018</a:t>
+              <a:t>12/10/2018</a:t>
             </a:fld>
             <a:endParaRPr lang="en-US"/>
           </a:p>
@@ -7287,7 +7813,7 @@
           <a:p>
             <a:fld id="{1639476D-3F43-4B7B-8B74-B201169AAEC9}" type="slidenum">
               <a:rPr lang="en-US" smtClean="0"/>
-              <a:t>‹#›</a:t>
+              <a:t>‹Nº›</a:t>
             </a:fld>
             <a:endParaRPr lang="en-US"/>
           </a:p>
@@ -7508,7 +8034,7 @@
           <a:p>
             <a:fld id="{B8C2ADEA-C972-4449-A45B-046BE606EF3A}" type="datetimeFigureOut">
               <a:rPr lang="en-US" smtClean="0"/>
-              <a:t>11/22/2018</a:t>
+              <a:t>12/10/2018</a:t>
             </a:fld>
             <a:endParaRPr lang="en-US"/>
           </a:p>
@@ -7562,7 +8088,7 @@
           <a:p>
             <a:fld id="{1639476D-3F43-4B7B-8B74-B201169AAEC9}" type="slidenum">
               <a:rPr lang="en-US" smtClean="0"/>
-              <a:t>‹#›</a:t>
+              <a:t>‹Nº›</a:t>
             </a:fld>
             <a:endParaRPr lang="en-US"/>
           </a:p>
@@ -7773,7 +8299,7 @@
           <a:p>
             <a:fld id="{B8C2ADEA-C972-4449-A45B-046BE606EF3A}" type="datetimeFigureOut">
               <a:rPr lang="en-US" smtClean="0"/>
-              <a:t>11/22/2018</a:t>
+              <a:t>12/10/2018</a:t>
             </a:fld>
             <a:endParaRPr lang="en-US"/>
           </a:p>
@@ -7827,7 +8353,7 @@
           <a:p>
             <a:fld id="{1639476D-3F43-4B7B-8B74-B201169AAEC9}" type="slidenum">
               <a:rPr lang="en-US" smtClean="0"/>
-              <a:t>‹#›</a:t>
+              <a:t>‹Nº›</a:t>
             </a:fld>
             <a:endParaRPr lang="en-US"/>
           </a:p>
@@ -8185,7 +8711,7 @@
           <a:p>
             <a:fld id="{B8C2ADEA-C972-4449-A45B-046BE606EF3A}" type="datetimeFigureOut">
               <a:rPr lang="en-US" smtClean="0"/>
-              <a:t>11/22/2018</a:t>
+              <a:t>12/10/2018</a:t>
             </a:fld>
             <a:endParaRPr lang="en-US"/>
           </a:p>
@@ -8239,7 +8765,7 @@
           <a:p>
             <a:fld id="{1639476D-3F43-4B7B-8B74-B201169AAEC9}" type="slidenum">
               <a:rPr lang="en-US" smtClean="0"/>
-              <a:t>‹#›</a:t>
+              <a:t>‹Nº›</a:t>
             </a:fld>
             <a:endParaRPr lang="en-US"/>
           </a:p>
@@ -8326,7 +8852,7 @@
           <a:p>
             <a:fld id="{B8C2ADEA-C972-4449-A45B-046BE606EF3A}" type="datetimeFigureOut">
               <a:rPr lang="en-US" smtClean="0"/>
-              <a:t>11/22/2018</a:t>
+              <a:t>12/10/2018</a:t>
             </a:fld>
             <a:endParaRPr lang="en-US"/>
           </a:p>
@@ -8380,7 +8906,7 @@
           <a:p>
             <a:fld id="{1639476D-3F43-4B7B-8B74-B201169AAEC9}" type="slidenum">
               <a:rPr lang="en-US" smtClean="0"/>
-              <a:t>‹#›</a:t>
+              <a:t>‹Nº›</a:t>
             </a:fld>
             <a:endParaRPr lang="en-US"/>
           </a:p>
@@ -8439,7 +8965,7 @@
           <a:p>
             <a:fld id="{B8C2ADEA-C972-4449-A45B-046BE606EF3A}" type="datetimeFigureOut">
               <a:rPr lang="en-US" smtClean="0"/>
-              <a:t>11/22/2018</a:t>
+              <a:t>12/10/2018</a:t>
             </a:fld>
             <a:endParaRPr lang="en-US"/>
           </a:p>
@@ -8493,7 +9019,7 @@
           <a:p>
             <a:fld id="{1639476D-3F43-4B7B-8B74-B201169AAEC9}" type="slidenum">
               <a:rPr lang="en-US" smtClean="0"/>
-              <a:t>‹#›</a:t>
+              <a:t>‹Nº›</a:t>
             </a:fld>
             <a:endParaRPr lang="en-US"/>
           </a:p>
@@ -8750,7 +9276,7 @@
           <a:p>
             <a:fld id="{B8C2ADEA-C972-4449-A45B-046BE606EF3A}" type="datetimeFigureOut">
               <a:rPr lang="en-US" smtClean="0"/>
-              <a:t>11/22/2018</a:t>
+              <a:t>12/10/2018</a:t>
             </a:fld>
             <a:endParaRPr lang="en-US"/>
           </a:p>
@@ -8804,7 +9330,7 @@
           <a:p>
             <a:fld id="{1639476D-3F43-4B7B-8B74-B201169AAEC9}" type="slidenum">
               <a:rPr lang="en-US" smtClean="0"/>
-              <a:t>‹#›</a:t>
+              <a:t>‹Nº›</a:t>
             </a:fld>
             <a:endParaRPr lang="en-US"/>
           </a:p>
@@ -9038,7 +9564,7 @@
           <a:p>
             <a:fld id="{B8C2ADEA-C972-4449-A45B-046BE606EF3A}" type="datetimeFigureOut">
               <a:rPr lang="en-US" smtClean="0"/>
-              <a:t>11/22/2018</a:t>
+              <a:t>12/10/2018</a:t>
             </a:fld>
             <a:endParaRPr lang="en-US"/>
           </a:p>
@@ -9092,7 +9618,7 @@
           <a:p>
             <a:fld id="{1639476D-3F43-4B7B-8B74-B201169AAEC9}" type="slidenum">
               <a:rPr lang="en-US" smtClean="0"/>
-              <a:t>‹#›</a:t>
+              <a:t>‹Nº›</a:t>
             </a:fld>
             <a:endParaRPr lang="en-US"/>
           </a:p>
@@ -9279,7 +9805,7 @@
           <a:p>
             <a:fld id="{B8C2ADEA-C972-4449-A45B-046BE606EF3A}" type="datetimeFigureOut">
               <a:rPr lang="en-US" smtClean="0"/>
-              <a:t>11/22/2018</a:t>
+              <a:t>12/10/2018</a:t>
             </a:fld>
             <a:endParaRPr lang="en-US"/>
           </a:p>
@@ -9369,7 +9895,7 @@
           <a:p>
             <a:fld id="{1639476D-3F43-4B7B-8B74-B201169AAEC9}" type="slidenum">
               <a:rPr lang="en-US" smtClean="0"/>
-              <a:t>‹#›</a:t>
+              <a:t>‹Nº›</a:t>
             </a:fld>
             <a:endParaRPr lang="en-US"/>
           </a:p>
@@ -10227,7 +10753,7 @@
           <a:lstStyle/>
           <a:p>
             <a:r>
-              <a:rPr lang="en-US" sz="2400">
+              <a:rPr lang="en-US" sz="4000" dirty="0">
                 <a:solidFill>
                   <a:srgbClr val="000000"/>
                 </a:solidFill>
@@ -10237,26 +10763,58 @@
           </a:p>
           <a:p>
             <a:r>
-              <a:rPr lang="es-419" sz="2400">
+              <a:rPr lang="es-419" sz="4000" dirty="0" err="1">
                 <a:solidFill>
                   <a:srgbClr val="000000"/>
                 </a:solidFill>
               </a:rPr>
-              <a:t>Elmah Log.</a:t>
+              <a:t>Elmah</a:t>
+            </a:r>
+            <a:r>
+              <a:rPr lang="es-419" sz="4000" dirty="0">
+                <a:solidFill>
+                  <a:srgbClr val="000000"/>
+                </a:solidFill>
+              </a:rPr>
+              <a:t> Log.</a:t>
             </a:r>
           </a:p>
           <a:p>
             <a:r>
-              <a:rPr lang="es-419" sz="2400">
+              <a:rPr lang="es-419" sz="4000" dirty="0" err="1">
                 <a:solidFill>
                   <a:srgbClr val="000000"/>
                 </a:solidFill>
               </a:rPr>
-              <a:t>Logging interface on .NET Core.</a:t>
+              <a:t>Logging</a:t>
+            </a:r>
+            <a:r>
+              <a:rPr lang="es-419" sz="4000" dirty="0">
+                <a:solidFill>
+                  <a:srgbClr val="000000"/>
+                </a:solidFill>
+              </a:rPr>
+              <a:t> interface </a:t>
+            </a:r>
+            <a:r>
+              <a:rPr lang="es-419" sz="4000" dirty="0" err="1">
+                <a:solidFill>
+                  <a:srgbClr val="000000"/>
+                </a:solidFill>
+              </a:rPr>
+              <a:t>on</a:t>
+            </a:r>
+            <a:r>
+              <a:rPr lang="es-419" sz="4000" dirty="0">
+                <a:solidFill>
+                  <a:srgbClr val="000000"/>
+                </a:solidFill>
+              </a:rPr>
+              <a:t> .NET Core.</a:t>
             </a:r>
           </a:p>
           <a:p>
-            <a:endParaRPr lang="en-US" sz="2400">
+            <a:endParaRPr lang="en-US" sz="2400" dirty="0">
               <a:solidFill>
                 <a:srgbClr val="000000"/>
               </a:solidFill>
@@ -10565,17 +11123,22 @@
           <a:lstStyle/>
           <a:p>
             <a:r>
-              <a:rPr lang="es-419" sz="2400">
+              <a:rPr lang="es-419" sz="4000" dirty="0" err="1">
                 <a:solidFill>
                   <a:srgbClr val="000000"/>
                 </a:solidFill>
               </a:rPr>
               <a:t>Serilog</a:t>
             </a:r>
+            <a:endParaRPr lang="es-419" sz="4000" dirty="0">
+              <a:solidFill>
+                <a:srgbClr val="000000"/>
+              </a:solidFill>
+            </a:endParaRPr>
           </a:p>
           <a:p>
             <a:r>
-              <a:rPr lang="es-419" sz="2400">
+              <a:rPr lang="es-419" sz="4000" dirty="0">
                 <a:solidFill>
                   <a:srgbClr val="000000"/>
                 </a:solidFill>
@@ -10585,33 +11148,43 @@
           </a:p>
           <a:p>
             <a:r>
-              <a:rPr lang="es-419" sz="2400">
+              <a:rPr lang="es-419" sz="4000" dirty="0" err="1">
                 <a:solidFill>
                   <a:srgbClr val="000000"/>
                 </a:solidFill>
               </a:rPr>
               <a:t>Kibana</a:t>
             </a:r>
+            <a:endParaRPr lang="es-419" sz="4000" dirty="0">
+              <a:solidFill>
+                <a:srgbClr val="000000"/>
+              </a:solidFill>
+            </a:endParaRPr>
           </a:p>
           <a:p>
             <a:r>
-              <a:rPr lang="es-419" sz="2400">
+              <a:rPr lang="es-419" sz="4000" dirty="0" err="1">
                 <a:solidFill>
                   <a:srgbClr val="000000"/>
                 </a:solidFill>
               </a:rPr>
               <a:t>ElasticSearch</a:t>
             </a:r>
-          </a:p>
-          <a:p>
-            <a:endParaRPr lang="es-419" sz="2400">
+            <a:endParaRPr lang="es-419" sz="4000" dirty="0">
               <a:solidFill>
                 <a:srgbClr val="000000"/>
               </a:solidFill>
             </a:endParaRPr>
           </a:p>
           <a:p>
-            <a:endParaRPr lang="en-US" sz="2400">
+            <a:endParaRPr lang="es-419" sz="2400" dirty="0">
+              <a:solidFill>
+                <a:srgbClr val="000000"/>
+              </a:solidFill>
+            </a:endParaRPr>
+          </a:p>
+          <a:p>
+            <a:endParaRPr lang="en-US" sz="2400" dirty="0">
               <a:solidFill>
                 <a:srgbClr val="000000"/>
               </a:solidFill>
@@ -11763,12 +12336,12 @@
           <a:p>
             <a:pPr algn="ctr"/>
             <a:r>
-              <a:rPr lang="en-US" sz="4000">
+              <a:rPr lang="en-US" sz="4000" dirty="0">
                 <a:solidFill>
                   <a:srgbClr val="FFFFFF"/>
                 </a:solidFill>
               </a:rPr>
-              <a:t>Saving Logs</a:t>
+              <a:t>Saving Logs in SQL</a:t>
             </a:r>
           </a:p>
         </p:txBody>
@@ -11789,7 +12362,7 @@
             <p:ph idx="1"/>
             <p:extLst>
               <p:ext uri="{D42A27DB-BD31-4B8C-83A1-F6EECF244321}">
-                <p14:modId xmlns:p14="http://schemas.microsoft.com/office/powerpoint/2010/main" val="3285052201"/>
+                <p14:modId xmlns:p14="http://schemas.microsoft.com/office/powerpoint/2010/main" val="3001327524"/>
               </p:ext>
             </p:extLst>
           </p:nvPr>
@@ -12002,14 +12575,30 @@
           <a:p>
             <a:pPr algn="ctr"/>
             <a:r>
-              <a:rPr lang="es-419" sz="4000">
+              <a:rPr lang="es-419" sz="4000" dirty="0" err="1">
                 <a:solidFill>
                   <a:srgbClr val="FFFFFF"/>
                 </a:solidFill>
               </a:rPr>
-              <a:t>Review the Logs</a:t>
+              <a:t>Saving</a:t>
             </a:r>
-            <a:endParaRPr lang="en-US" sz="4000">
+            <a:r>
+              <a:rPr lang="es-419" sz="4000" dirty="0">
+                <a:solidFill>
+                  <a:srgbClr val="FFFFFF"/>
+                </a:solidFill>
+              </a:rPr>
+              <a:t> Logs in </a:t>
+            </a:r>
+            <a:r>
+              <a:rPr lang="es-419" sz="4000" dirty="0" err="1">
+                <a:solidFill>
+                  <a:srgbClr val="FFFFFF"/>
+                </a:solidFill>
+              </a:rPr>
+              <a:t>Elastic</a:t>
+            </a:r>
+            <a:endParaRPr lang="en-US" sz="4000" dirty="0">
               <a:solidFill>
                 <a:srgbClr val="FFFFFF"/>
               </a:solidFill>
@@ -12033,7 +12622,7 @@
             <p:ph idx="1"/>
             <p:extLst>
               <p:ext uri="{D42A27DB-BD31-4B8C-83A1-F6EECF244321}">
-                <p14:modId xmlns:p14="http://schemas.microsoft.com/office/powerpoint/2010/main" val="2081580099"/>
+                <p14:modId xmlns:p14="http://schemas.microsoft.com/office/powerpoint/2010/main" val="610814645"/>
               </p:ext>
             </p:extLst>
           </p:nvPr>

--- a/Logging with Serilog+Elastichsearch+Kibana.pptx
+++ b/Logging with Serilog+Elastichsearch+Kibana.pptx
@@ -2386,7 +2386,30 @@
     </dgm:pt>
     <dgm:pt modelId="{9D72FC78-C377-4C25-89A3-CCB4C2E5D05F}" type="pres">
       <dgm:prSet presAssocID="{4B75A8EC-41EB-47FC-B09D-548A1E8230D9}" presName="iconRect" presStyleLbl="node1" presStyleIdx="3" presStyleCnt="5"/>
-      <dgm:spPr/>
+      <dgm:spPr>
+        <a:blipFill>
+          <a:blip xmlns:r="http://schemas.openxmlformats.org/officeDocument/2006/relationships" r:embed="rId7">
+            <a:lum bright="70000" contrast="-70000"/>
+            <a:extLst>
+              <a:ext uri="{28A0092B-C50C-407E-A947-70E740481C1C}">
+                <a14:useLocalDpi xmlns:a14="http://schemas.microsoft.com/office/drawing/2010/main" val="0"/>
+              </a:ext>
+              <a:ext uri="{96DAC541-7B7A-43D3-8B79-37D633B846F1}">
+                <asvg:svgBlip xmlns:asvg="http://schemas.microsoft.com/office/drawing/2016/SVG/main" r:embed="rId8"/>
+              </a:ext>
+            </a:extLst>
+          </a:blip>
+          <a:srcRect/>
+          <a:stretch>
+            <a:fillRect/>
+          </a:stretch>
+        </a:blipFill>
+      </dgm:spPr>
+      <dgm:extLst>
+        <a:ext uri="{E40237B7-FDA0-4F09-8148-C483321AD2D9}">
+          <dgm14:cNvPr xmlns:dgm14="http://schemas.microsoft.com/office/drawing/2010/diagram" id="0" name="" descr="Vínculo"/>
+        </a:ext>
+      </dgm:extLst>
     </dgm:pt>
     <dgm:pt modelId="{21D996C8-B0CB-4E4B-B837-B86CBF8A34B2}" type="pres">
       <dgm:prSet presAssocID="{4B75A8EC-41EB-47FC-B09D-548A1E8230D9}" presName="spaceRect" presStyleCnt="0"/>
@@ -2424,13 +2447,13 @@
       <dgm:prSet presAssocID="{06F739B4-9D64-4E33-BDF2-40BC9891E0C9}" presName="iconRect" presStyleLbl="node1" presStyleIdx="4" presStyleCnt="5"/>
       <dgm:spPr>
         <a:blipFill>
-          <a:blip xmlns:r="http://schemas.openxmlformats.org/officeDocument/2006/relationships" r:embed="rId7">
+          <a:blip xmlns:r="http://schemas.openxmlformats.org/officeDocument/2006/relationships" r:embed="rId9">
             <a:extLst>
               <a:ext uri="{28A0092B-C50C-407E-A947-70E740481C1C}">
                 <a14:useLocalDpi xmlns:a14="http://schemas.microsoft.com/office/drawing/2010/main" val="0"/>
               </a:ext>
               <a:ext uri="{96DAC541-7B7A-43D3-8B79-37D633B846F1}">
-                <asvg:svgBlip xmlns:asvg="http://schemas.microsoft.com/office/drawing/2016/SVG/main" r:embed="rId8"/>
+                <asvg:svgBlip xmlns:asvg="http://schemas.microsoft.com/office/drawing/2016/SVG/main" r:embed="rId10"/>
               </a:ext>
             </a:extLst>
           </a:blip>
@@ -2762,7 +2785,30 @@
     </dgm:pt>
     <dgm:pt modelId="{6C6FBEC4-1A51-483E-953A-539BC85DF366}" type="pres">
       <dgm:prSet presAssocID="{098E8C67-5D1F-4125-B9A9-D7F798449C94}" presName="iconRect" presStyleLbl="node1" presStyleIdx="0" presStyleCnt="4"/>
-      <dgm:spPr/>
+      <dgm:spPr>
+        <a:blipFill>
+          <a:blip xmlns:r="http://schemas.openxmlformats.org/officeDocument/2006/relationships" r:embed="rId1">
+            <a:lum bright="70000" contrast="-70000"/>
+            <a:extLst>
+              <a:ext uri="{28A0092B-C50C-407E-A947-70E740481C1C}">
+                <a14:useLocalDpi xmlns:a14="http://schemas.microsoft.com/office/drawing/2010/main" val="0"/>
+              </a:ext>
+              <a:ext uri="{96DAC541-7B7A-43D3-8B79-37D633B846F1}">
+                <asvg:svgBlip xmlns:asvg="http://schemas.microsoft.com/office/drawing/2016/SVG/main" r:embed="rId2"/>
+              </a:ext>
+            </a:extLst>
+          </a:blip>
+          <a:srcRect/>
+          <a:stretch>
+            <a:fillRect/>
+          </a:stretch>
+        </a:blipFill>
+      </dgm:spPr>
+      <dgm:extLst>
+        <a:ext uri="{E40237B7-FDA0-4F09-8148-C483321AD2D9}">
+          <dgm14:cNvPr xmlns:dgm14="http://schemas.microsoft.com/office/drawing/2010/diagram" id="0" name="" descr="Vínculo"/>
+        </a:ext>
+      </dgm:extLst>
     </dgm:pt>
     <dgm:pt modelId="{7E0D9B1F-0816-4357-8CD9-FAF578F01C45}" type="pres">
       <dgm:prSet presAssocID="{098E8C67-5D1F-4125-B9A9-D7F798449C94}" presName="spaceRect" presStyleCnt="0"/>
@@ -2800,13 +2846,13 @@
       <dgm:prSet presAssocID="{9A462B65-3A1A-4558-85D6-3209BC140E40}" presName="iconRect" presStyleLbl="node1" presStyleIdx="1" presStyleCnt="4"/>
       <dgm:spPr>
         <a:blipFill>
-          <a:blip xmlns:r="http://schemas.openxmlformats.org/officeDocument/2006/relationships" r:embed="rId1">
+          <a:blip xmlns:r="http://schemas.openxmlformats.org/officeDocument/2006/relationships" r:embed="rId3">
             <a:extLst>
               <a:ext uri="{28A0092B-C50C-407E-A947-70E740481C1C}">
                 <a14:useLocalDpi xmlns:a14="http://schemas.microsoft.com/office/drawing/2010/main" val="0"/>
               </a:ext>
               <a:ext uri="{96DAC541-7B7A-43D3-8B79-37D633B846F1}">
-                <asvg:svgBlip xmlns:asvg="http://schemas.microsoft.com/office/drawing/2016/SVG/main" r:embed="rId2"/>
+                <asvg:svgBlip xmlns:asvg="http://schemas.microsoft.com/office/drawing/2016/SVG/main" r:embed="rId4"/>
               </a:ext>
             </a:extLst>
           </a:blip>
@@ -2860,13 +2906,13 @@
       <dgm:prSet presAssocID="{CC425F53-7C46-4386-B84B-AE904A90666C}" presName="iconRect" presStyleLbl="node1" presStyleIdx="2" presStyleCnt="4"/>
       <dgm:spPr>
         <a:blipFill>
-          <a:blip xmlns:r="http://schemas.openxmlformats.org/officeDocument/2006/relationships" r:embed="rId3">
+          <a:blip xmlns:r="http://schemas.openxmlformats.org/officeDocument/2006/relationships" r:embed="rId5">
             <a:extLst>
               <a:ext uri="{28A0092B-C50C-407E-A947-70E740481C1C}">
                 <a14:useLocalDpi xmlns:a14="http://schemas.microsoft.com/office/drawing/2010/main" val="0"/>
               </a:ext>
               <a:ext uri="{96DAC541-7B7A-43D3-8B79-37D633B846F1}">
-                <asvg:svgBlip xmlns:asvg="http://schemas.microsoft.com/office/drawing/2016/SVG/main" r:embed="rId4"/>
+                <asvg:svgBlip xmlns:asvg="http://schemas.microsoft.com/office/drawing/2016/SVG/main" r:embed="rId6"/>
               </a:ext>
             </a:extLst>
           </a:blip>
@@ -2920,13 +2966,13 @@
       <dgm:prSet presAssocID="{854EA01D-54A3-4EC9-95CC-1FDD54ADC510}" presName="iconRect" presStyleLbl="node1" presStyleIdx="3" presStyleCnt="4"/>
       <dgm:spPr>
         <a:blipFill>
-          <a:blip xmlns:r="http://schemas.openxmlformats.org/officeDocument/2006/relationships" r:embed="rId5">
+          <a:blip xmlns:r="http://schemas.openxmlformats.org/officeDocument/2006/relationships" r:embed="rId7">
             <a:extLst>
               <a:ext uri="{28A0092B-C50C-407E-A947-70E740481C1C}">
                 <a14:useLocalDpi xmlns:a14="http://schemas.microsoft.com/office/drawing/2010/main" val="0"/>
               </a:ext>
               <a:ext uri="{96DAC541-7B7A-43D3-8B79-37D633B846F1}">
-                <asvg:svgBlip xmlns:asvg="http://schemas.microsoft.com/office/drawing/2016/SVG/main" r:embed="rId6"/>
+                <asvg:svgBlip xmlns:asvg="http://schemas.microsoft.com/office/drawing/2016/SVG/main" r:embed="rId8"/>
               </a:ext>
             </a:extLst>
           </a:blip>
@@ -3548,14 +3594,23 @@
         <a:prstGeom prst="rect">
           <a:avLst/>
         </a:prstGeom>
-        <a:solidFill>
-          <a:schemeClr val="bg1">
-            <a:hueOff val="0"/>
-            <a:satOff val="0"/>
-            <a:lumOff val="0"/>
-            <a:alphaOff val="0"/>
-          </a:schemeClr>
-        </a:solidFill>
+        <a:blipFill>
+          <a:blip xmlns:r="http://schemas.openxmlformats.org/officeDocument/2006/relationships" r:embed="rId7">
+            <a:lum bright="70000" contrast="-70000"/>
+            <a:extLst>
+              <a:ext uri="{28A0092B-C50C-407E-A947-70E740481C1C}">
+                <a14:useLocalDpi xmlns:a14="http://schemas.microsoft.com/office/drawing/2010/main" val="0"/>
+              </a:ext>
+              <a:ext uri="{96DAC541-7B7A-43D3-8B79-37D633B846F1}">
+                <asvg:svgBlip xmlns:asvg="http://schemas.microsoft.com/office/drawing/2016/SVG/main" r:embed="rId8"/>
+              </a:ext>
+            </a:extLst>
+          </a:blip>
+          <a:srcRect/>
+          <a:stretch>
+            <a:fillRect/>
+          </a:stretch>
+        </a:blipFill>
         <a:ln w="12700" cap="flat" cmpd="sng" algn="ctr">
           <a:solidFill>
             <a:schemeClr val="lt1">
@@ -3708,13 +3763,13 @@
           <a:avLst/>
         </a:prstGeom>
         <a:blipFill>
-          <a:blip xmlns:r="http://schemas.openxmlformats.org/officeDocument/2006/relationships" r:embed="rId7">
+          <a:blip xmlns:r="http://schemas.openxmlformats.org/officeDocument/2006/relationships" r:embed="rId9">
             <a:extLst>
               <a:ext uri="{28A0092B-C50C-407E-A947-70E740481C1C}">
                 <a14:useLocalDpi xmlns:a14="http://schemas.microsoft.com/office/drawing/2010/main" val="0"/>
               </a:ext>
               <a:ext uri="{96DAC541-7B7A-43D3-8B79-37D633B846F1}">
-                <asvg:svgBlip xmlns:asvg="http://schemas.microsoft.com/office/drawing/2016/SVG/main" r:embed="rId8"/>
+                <asvg:svgBlip xmlns:asvg="http://schemas.microsoft.com/office/drawing/2016/SVG/main" r:embed="rId10"/>
               </a:ext>
             </a:extLst>
           </a:blip>
@@ -3881,14 +3936,23 @@
         <a:prstGeom prst="rect">
           <a:avLst/>
         </a:prstGeom>
-        <a:solidFill>
-          <a:schemeClr val="bg1">
-            <a:hueOff val="0"/>
-            <a:satOff val="0"/>
-            <a:lumOff val="0"/>
-            <a:alphaOff val="0"/>
-          </a:schemeClr>
-        </a:solidFill>
+        <a:blipFill>
+          <a:blip xmlns:r="http://schemas.openxmlformats.org/officeDocument/2006/relationships" r:embed="rId1">
+            <a:lum bright="70000" contrast="-70000"/>
+            <a:extLst>
+              <a:ext uri="{28A0092B-C50C-407E-A947-70E740481C1C}">
+                <a14:useLocalDpi xmlns:a14="http://schemas.microsoft.com/office/drawing/2010/main" val="0"/>
+              </a:ext>
+              <a:ext uri="{96DAC541-7B7A-43D3-8B79-37D633B846F1}">
+                <asvg:svgBlip xmlns:asvg="http://schemas.microsoft.com/office/drawing/2016/SVG/main" r:embed="rId2"/>
+              </a:ext>
+            </a:extLst>
+          </a:blip>
+          <a:srcRect/>
+          <a:stretch>
+            <a:fillRect/>
+          </a:stretch>
+        </a:blipFill>
         <a:ln w="12700" cap="flat" cmpd="sng" algn="ctr">
           <a:solidFill>
             <a:schemeClr val="lt1">
@@ -4044,13 +4108,13 @@
           <a:avLst/>
         </a:prstGeom>
         <a:blipFill>
-          <a:blip xmlns:r="http://schemas.openxmlformats.org/officeDocument/2006/relationships" r:embed="rId1">
+          <a:blip xmlns:r="http://schemas.openxmlformats.org/officeDocument/2006/relationships" r:embed="rId3">
             <a:extLst>
               <a:ext uri="{28A0092B-C50C-407E-A947-70E740481C1C}">
                 <a14:useLocalDpi xmlns:a14="http://schemas.microsoft.com/office/drawing/2010/main" val="0"/>
               </a:ext>
               <a:ext uri="{96DAC541-7B7A-43D3-8B79-37D633B846F1}">
-                <asvg:svgBlip xmlns:asvg="http://schemas.microsoft.com/office/drawing/2016/SVG/main" r:embed="rId2"/>
+                <asvg:svgBlip xmlns:asvg="http://schemas.microsoft.com/office/drawing/2016/SVG/main" r:embed="rId4"/>
               </a:ext>
             </a:extLst>
           </a:blip>
@@ -4210,13 +4274,13 @@
           <a:avLst/>
         </a:prstGeom>
         <a:blipFill>
-          <a:blip xmlns:r="http://schemas.openxmlformats.org/officeDocument/2006/relationships" r:embed="rId3">
+          <a:blip xmlns:r="http://schemas.openxmlformats.org/officeDocument/2006/relationships" r:embed="rId5">
             <a:extLst>
               <a:ext uri="{28A0092B-C50C-407E-A947-70E740481C1C}">
                 <a14:useLocalDpi xmlns:a14="http://schemas.microsoft.com/office/drawing/2010/main" val="0"/>
               </a:ext>
               <a:ext uri="{96DAC541-7B7A-43D3-8B79-37D633B846F1}">
-                <asvg:svgBlip xmlns:asvg="http://schemas.microsoft.com/office/drawing/2016/SVG/main" r:embed="rId4"/>
+                <asvg:svgBlip xmlns:asvg="http://schemas.microsoft.com/office/drawing/2016/SVG/main" r:embed="rId6"/>
               </a:ext>
             </a:extLst>
           </a:blip>
@@ -4380,13 +4444,13 @@
           <a:avLst/>
         </a:prstGeom>
         <a:blipFill>
-          <a:blip xmlns:r="http://schemas.openxmlformats.org/officeDocument/2006/relationships" r:embed="rId5">
+          <a:blip xmlns:r="http://schemas.openxmlformats.org/officeDocument/2006/relationships" r:embed="rId7">
             <a:extLst>
               <a:ext uri="{28A0092B-C50C-407E-A947-70E740481C1C}">
                 <a14:useLocalDpi xmlns:a14="http://schemas.microsoft.com/office/drawing/2010/main" val="0"/>
               </a:ext>
               <a:ext uri="{96DAC541-7B7A-43D3-8B79-37D633B846F1}">
-                <asvg:svgBlip xmlns:asvg="http://schemas.microsoft.com/office/drawing/2016/SVG/main" r:embed="rId6"/>
+                <asvg:svgBlip xmlns:asvg="http://schemas.microsoft.com/office/drawing/2016/SVG/main" r:embed="rId8"/>
               </a:ext>
             </a:extLst>
           </a:blip>
@@ -7155,7 +7219,7 @@
           <a:p>
             <a:fld id="{B8C2ADEA-C972-4449-A45B-046BE606EF3A}" type="datetimeFigureOut">
               <a:rPr lang="en-US" smtClean="0"/>
-              <a:t>12/10/2018</a:t>
+              <a:t>12/12/2018</a:t>
             </a:fld>
             <a:endParaRPr lang="en-US"/>
           </a:p>
@@ -7353,7 +7417,7 @@
           <a:p>
             <a:fld id="{B8C2ADEA-C972-4449-A45B-046BE606EF3A}" type="datetimeFigureOut">
               <a:rPr lang="en-US" smtClean="0"/>
-              <a:t>12/10/2018</a:t>
+              <a:t>12/12/2018</a:t>
             </a:fld>
             <a:endParaRPr lang="en-US"/>
           </a:p>
@@ -7561,7 +7625,7 @@
           <a:p>
             <a:fld id="{B8C2ADEA-C972-4449-A45B-046BE606EF3A}" type="datetimeFigureOut">
               <a:rPr lang="en-US" smtClean="0"/>
-              <a:t>12/10/2018</a:t>
+              <a:t>12/12/2018</a:t>
             </a:fld>
             <a:endParaRPr lang="en-US"/>
           </a:p>
@@ -7759,7 +7823,7 @@
           <a:p>
             <a:fld id="{B8C2ADEA-C972-4449-A45B-046BE606EF3A}" type="datetimeFigureOut">
               <a:rPr lang="en-US" smtClean="0"/>
-              <a:t>12/10/2018</a:t>
+              <a:t>12/12/2018</a:t>
             </a:fld>
             <a:endParaRPr lang="en-US"/>
           </a:p>
@@ -8034,7 +8098,7 @@
           <a:p>
             <a:fld id="{B8C2ADEA-C972-4449-A45B-046BE606EF3A}" type="datetimeFigureOut">
               <a:rPr lang="en-US" smtClean="0"/>
-              <a:t>12/10/2018</a:t>
+              <a:t>12/12/2018</a:t>
             </a:fld>
             <a:endParaRPr lang="en-US"/>
           </a:p>
@@ -8299,7 +8363,7 @@
           <a:p>
             <a:fld id="{B8C2ADEA-C972-4449-A45B-046BE606EF3A}" type="datetimeFigureOut">
               <a:rPr lang="en-US" smtClean="0"/>
-              <a:t>12/10/2018</a:t>
+              <a:t>12/12/2018</a:t>
             </a:fld>
             <a:endParaRPr lang="en-US"/>
           </a:p>
@@ -8711,7 +8775,7 @@
           <a:p>
             <a:fld id="{B8C2ADEA-C972-4449-A45B-046BE606EF3A}" type="datetimeFigureOut">
               <a:rPr lang="en-US" smtClean="0"/>
-              <a:t>12/10/2018</a:t>
+              <a:t>12/12/2018</a:t>
             </a:fld>
             <a:endParaRPr lang="en-US"/>
           </a:p>
@@ -8852,7 +8916,7 @@
           <a:p>
             <a:fld id="{B8C2ADEA-C972-4449-A45B-046BE606EF3A}" type="datetimeFigureOut">
               <a:rPr lang="en-US" smtClean="0"/>
-              <a:t>12/10/2018</a:t>
+              <a:t>12/12/2018</a:t>
             </a:fld>
             <a:endParaRPr lang="en-US"/>
           </a:p>
@@ -8965,7 +9029,7 @@
           <a:p>
             <a:fld id="{B8C2ADEA-C972-4449-A45B-046BE606EF3A}" type="datetimeFigureOut">
               <a:rPr lang="en-US" smtClean="0"/>
-              <a:t>12/10/2018</a:t>
+              <a:t>12/12/2018</a:t>
             </a:fld>
             <a:endParaRPr lang="en-US"/>
           </a:p>
@@ -9276,7 +9340,7 @@
           <a:p>
             <a:fld id="{B8C2ADEA-C972-4449-A45B-046BE606EF3A}" type="datetimeFigureOut">
               <a:rPr lang="en-US" smtClean="0"/>
-              <a:t>12/10/2018</a:t>
+              <a:t>12/12/2018</a:t>
             </a:fld>
             <a:endParaRPr lang="en-US"/>
           </a:p>
@@ -9564,7 +9628,7 @@
           <a:p>
             <a:fld id="{B8C2ADEA-C972-4449-A45B-046BE606EF3A}" type="datetimeFigureOut">
               <a:rPr lang="en-US" smtClean="0"/>
-              <a:t>12/10/2018</a:t>
+              <a:t>12/12/2018</a:t>
             </a:fld>
             <a:endParaRPr lang="en-US"/>
           </a:p>
@@ -9805,7 +9869,7 @@
           <a:p>
             <a:fld id="{B8C2ADEA-C972-4449-A45B-046BE606EF3A}" type="datetimeFigureOut">
               <a:rPr lang="en-US" smtClean="0"/>
-              <a:t>12/10/2018</a:t>
+              <a:t>12/12/2018</a:t>
             </a:fld>
             <a:endParaRPr lang="en-US"/>
           </a:p>
@@ -12362,7 +12426,7 @@
             <p:ph idx="1"/>
             <p:extLst>
               <p:ext uri="{D42A27DB-BD31-4B8C-83A1-F6EECF244321}">
-                <p14:modId xmlns:p14="http://schemas.microsoft.com/office/powerpoint/2010/main" val="3001327524"/>
+                <p14:modId xmlns:p14="http://schemas.microsoft.com/office/powerpoint/2010/main" val="3377753584"/>
               </p:ext>
             </p:extLst>
           </p:nvPr>
@@ -12622,7 +12686,7 @@
             <p:ph idx="1"/>
             <p:extLst>
               <p:ext uri="{D42A27DB-BD31-4B8C-83A1-F6EECF244321}">
-                <p14:modId xmlns:p14="http://schemas.microsoft.com/office/powerpoint/2010/main" val="610814645"/>
+                <p14:modId xmlns:p14="http://schemas.microsoft.com/office/powerpoint/2010/main" val="323699022"/>
               </p:ext>
             </p:extLst>
           </p:nvPr>
